--- a/Presentations/Logistics/KNITS-SupplyChainIntroduction.pptx
+++ b/Presentations/Logistics/KNITS-SupplyChainIntroduction.pptx
@@ -33,33 +33,33 @@
   <p:notesSz cx="6858000" cy="9144000"/>
   <p:embeddedFontLst>
     <p:embeddedFont>
-      <p:font typeface="Barlow Light" charset="0"/>
+      <p:font typeface="Raleway SemiBold" charset="0"/>
       <p:regular r:id="rId23"/>
       <p:bold r:id="rId24"/>
       <p:italic r:id="rId25"/>
       <p:boldItalic r:id="rId26"/>
     </p:embeddedFont>
     <p:embeddedFont>
-      <p:font typeface="Raleway SemiBold" charset="0"/>
+      <p:font typeface="맑은 고딕" pitchFamily="34" charset="-127"/>
       <p:regular r:id="rId27"/>
       <p:bold r:id="rId28"/>
-      <p:italic r:id="rId29"/>
-      <p:boldItalic r:id="rId30"/>
+    </p:embeddedFont>
+    <p:embeddedFont>
+      <p:font typeface="Raleway" charset="0"/>
+      <p:regular r:id="rId29"/>
+      <p:bold r:id="rId30"/>
+      <p:italic r:id="rId31"/>
+      <p:boldItalic r:id="rId32"/>
+    </p:embeddedFont>
+    <p:embeddedFont>
+      <p:font typeface="Barlow Light" charset="0"/>
+      <p:regular r:id="rId33"/>
+      <p:bold r:id="rId34"/>
+      <p:italic r:id="rId35"/>
+      <p:boldItalic r:id="rId36"/>
     </p:embeddedFont>
     <p:embeddedFont>
       <p:font typeface="Calibri" pitchFamily="34" charset="0"/>
-      <p:regular r:id="rId31"/>
-      <p:bold r:id="rId32"/>
-      <p:italic r:id="rId33"/>
-      <p:boldItalic r:id="rId34"/>
-    </p:embeddedFont>
-    <p:embeddedFont>
-      <p:font typeface="맑은 고딕" pitchFamily="34" charset="-127"/>
-      <p:regular r:id="rId35"/>
-      <p:bold r:id="rId36"/>
-    </p:embeddedFont>
-    <p:embeddedFont>
-      <p:font typeface="Raleway" charset="0"/>
       <p:regular r:id="rId37"/>
       <p:bold r:id="rId38"/>
       <p:italic r:id="rId39"/>
@@ -10646,7 +10646,7 @@
           <p:nvPr>
             <p:extLst>
               <p:ext uri="{D42A27DB-BD31-4B8C-83A1-F6EECF244321}">
-                <p14:modId xmlns:p14="http://schemas.microsoft.com/office/powerpoint/2010/main" val="3343998965"/>
+                <p14:modId xmlns:p14="http://schemas.microsoft.com/office/powerpoint/2010/main" val="287812154"/>
               </p:ext>
             </p:extLst>
           </p:nvPr>
@@ -11047,6 +11047,18 @@
                         <a:buNone/>
                       </a:pPr>
                       <a:r>
+                        <a:rPr lang="en-US" b="0" baseline="0" dirty="0" smtClean="0">
+                          <a:solidFill>
+                            <a:schemeClr val="dk1"/>
+                          </a:solidFill>
+                          <a:latin typeface="Barlow"/>
+                          <a:ea typeface="Barlow"/>
+                          <a:cs typeface="Barlow"/>
+                          <a:sym typeface="Barlow"/>
+                        </a:rPr>
+                        <a:t>Many small </a:t>
+                      </a:r>
+                      <a:r>
                         <a:rPr lang="et-EE" b="0" baseline="0" dirty="0" smtClean="0">
                           <a:solidFill>
                             <a:schemeClr val="dk1"/>
@@ -11056,7 +11068,19 @@
                           <a:cs typeface="Barlow"/>
                           <a:sym typeface="Barlow"/>
                         </a:rPr>
-                        <a:t>Few central production plants</a:t>
+                        <a:t>production </a:t>
+                      </a:r>
+                      <a:r>
+                        <a:rPr lang="et-EE" b="0" baseline="0" dirty="0" smtClean="0">
+                          <a:solidFill>
+                            <a:schemeClr val="dk1"/>
+                          </a:solidFill>
+                          <a:latin typeface="Barlow"/>
+                          <a:ea typeface="Barlow"/>
+                          <a:cs typeface="Barlow"/>
+                          <a:sym typeface="Barlow"/>
+                        </a:rPr>
+                        <a:t>plants</a:t>
                       </a:r>
                       <a:endParaRPr b="1" dirty="0">
                         <a:solidFill>
@@ -13395,7 +13419,7 @@
           <p:cNvPr id="51" name="Rectangle 50">
             <a:extLst>
               <a:ext uri="{FF2B5EF4-FFF2-40B4-BE49-F238E27FC236}">
-                <a16:creationId xmlns:a16="http://schemas.microsoft.com/office/drawing/2014/main" xmlns="" id="{C820B1CE-1074-44C3-81AF-B93E081EDCAB}"/>
+                <a16:creationId xmlns="" xmlns:a16="http://schemas.microsoft.com/office/drawing/2014/main" id="{C820B1CE-1074-44C3-81AF-B93E081EDCAB}"/>
               </a:ext>
             </a:extLst>
           </p:cNvPr>
@@ -13469,7 +13493,7 @@
           <p:cNvPr id="54" name="Rectangle 53">
             <a:extLst>
               <a:ext uri="{FF2B5EF4-FFF2-40B4-BE49-F238E27FC236}">
-                <a16:creationId xmlns:a16="http://schemas.microsoft.com/office/drawing/2014/main" xmlns="" id="{C820B1CE-1074-44C3-81AF-B93E081EDCAB}"/>
+                <a16:creationId xmlns="" xmlns:a16="http://schemas.microsoft.com/office/drawing/2014/main" id="{C820B1CE-1074-44C3-81AF-B93E081EDCAB}"/>
               </a:ext>
             </a:extLst>
           </p:cNvPr>
@@ -13543,7 +13567,7 @@
           <p:cNvPr id="55" name="Rectangle 54">
             <a:extLst>
               <a:ext uri="{FF2B5EF4-FFF2-40B4-BE49-F238E27FC236}">
-                <a16:creationId xmlns:a16="http://schemas.microsoft.com/office/drawing/2014/main" xmlns="" id="{C820B1CE-1074-44C3-81AF-B93E081EDCAB}"/>
+                <a16:creationId xmlns="" xmlns:a16="http://schemas.microsoft.com/office/drawing/2014/main" id="{C820B1CE-1074-44C3-81AF-B93E081EDCAB}"/>
               </a:ext>
             </a:extLst>
           </p:cNvPr>
@@ -13617,7 +13641,7 @@
           <p:cNvPr id="56" name="Rectangle 55">
             <a:extLst>
               <a:ext uri="{FF2B5EF4-FFF2-40B4-BE49-F238E27FC236}">
-                <a16:creationId xmlns:a16="http://schemas.microsoft.com/office/drawing/2014/main" xmlns="" id="{C820B1CE-1074-44C3-81AF-B93E081EDCAB}"/>
+                <a16:creationId xmlns="" xmlns:a16="http://schemas.microsoft.com/office/drawing/2014/main" id="{C820B1CE-1074-44C3-81AF-B93E081EDCAB}"/>
               </a:ext>
             </a:extLst>
           </p:cNvPr>
@@ -13691,7 +13715,7 @@
           <p:cNvPr id="58" name="Rectangle 57">
             <a:extLst>
               <a:ext uri="{FF2B5EF4-FFF2-40B4-BE49-F238E27FC236}">
-                <a16:creationId xmlns:a16="http://schemas.microsoft.com/office/drawing/2014/main" xmlns="" id="{C820B1CE-1074-44C3-81AF-B93E081EDCAB}"/>
+                <a16:creationId xmlns="" xmlns:a16="http://schemas.microsoft.com/office/drawing/2014/main" id="{C820B1CE-1074-44C3-81AF-B93E081EDCAB}"/>
               </a:ext>
             </a:extLst>
           </p:cNvPr>
@@ -13765,7 +13789,7 @@
           <p:cNvPr id="61" name="Rectangle 60">
             <a:extLst>
               <a:ext uri="{FF2B5EF4-FFF2-40B4-BE49-F238E27FC236}">
-                <a16:creationId xmlns:a16="http://schemas.microsoft.com/office/drawing/2014/main" xmlns="" id="{C820B1CE-1074-44C3-81AF-B93E081EDCAB}"/>
+                <a16:creationId xmlns="" xmlns:a16="http://schemas.microsoft.com/office/drawing/2014/main" id="{C820B1CE-1074-44C3-81AF-B93E081EDCAB}"/>
               </a:ext>
             </a:extLst>
           </p:cNvPr>
@@ -13839,7 +13863,7 @@
           <p:cNvPr id="62" name="Rectangle 61">
             <a:extLst>
               <a:ext uri="{FF2B5EF4-FFF2-40B4-BE49-F238E27FC236}">
-                <a16:creationId xmlns:a16="http://schemas.microsoft.com/office/drawing/2014/main" xmlns="" id="{C820B1CE-1074-44C3-81AF-B93E081EDCAB}"/>
+                <a16:creationId xmlns="" xmlns:a16="http://schemas.microsoft.com/office/drawing/2014/main" id="{C820B1CE-1074-44C3-81AF-B93E081EDCAB}"/>
               </a:ext>
             </a:extLst>
           </p:cNvPr>
@@ -13913,7 +13937,7 @@
           <p:cNvPr id="63" name="Rectangle 62">
             <a:extLst>
               <a:ext uri="{FF2B5EF4-FFF2-40B4-BE49-F238E27FC236}">
-                <a16:creationId xmlns:a16="http://schemas.microsoft.com/office/drawing/2014/main" xmlns="" id="{C820B1CE-1074-44C3-81AF-B93E081EDCAB}"/>
+                <a16:creationId xmlns="" xmlns:a16="http://schemas.microsoft.com/office/drawing/2014/main" id="{C820B1CE-1074-44C3-81AF-B93E081EDCAB}"/>
               </a:ext>
             </a:extLst>
           </p:cNvPr>
@@ -13987,7 +14011,7 @@
           <p:cNvPr id="64" name="Straight Arrow Connector 63">
             <a:extLst>
               <a:ext uri="{FF2B5EF4-FFF2-40B4-BE49-F238E27FC236}">
-                <a16:creationId xmlns="" xmlns:a16="http://schemas.microsoft.com/office/drawing/2014/main" xmlns:lc="http://schemas.openxmlformats.org/drawingml/2006/lockedCanvas" id="{8EFAA25A-D8D6-420E-B8D9-6181A6D61CA3}"/>
+                <a16:creationId xmlns:lc="http://schemas.openxmlformats.org/drawingml/2006/lockedCanvas" xmlns:a16="http://schemas.microsoft.com/office/drawing/2014/main" xmlns="" id="{8EFAA25A-D8D6-420E-B8D9-6181A6D61CA3}"/>
               </a:ext>
             </a:extLst>
           </p:cNvPr>
@@ -14032,7 +14056,7 @@
           <p:cNvPr id="67" name="Straight Arrow Connector 66">
             <a:extLst>
               <a:ext uri="{FF2B5EF4-FFF2-40B4-BE49-F238E27FC236}">
-                <a16:creationId xmlns="" xmlns:a16="http://schemas.microsoft.com/office/drawing/2014/main" xmlns:lc="http://schemas.openxmlformats.org/drawingml/2006/lockedCanvas" id="{8EFAA25A-D8D6-420E-B8D9-6181A6D61CA3}"/>
+                <a16:creationId xmlns:lc="http://schemas.openxmlformats.org/drawingml/2006/lockedCanvas" xmlns:a16="http://schemas.microsoft.com/office/drawing/2014/main" xmlns="" id="{8EFAA25A-D8D6-420E-B8D9-6181A6D61CA3}"/>
               </a:ext>
             </a:extLst>
           </p:cNvPr>
@@ -14077,7 +14101,7 @@
           <p:cNvPr id="68" name="Straight Arrow Connector 67">
             <a:extLst>
               <a:ext uri="{FF2B5EF4-FFF2-40B4-BE49-F238E27FC236}">
-                <a16:creationId xmlns="" xmlns:a16="http://schemas.microsoft.com/office/drawing/2014/main" xmlns:lc="http://schemas.openxmlformats.org/drawingml/2006/lockedCanvas" id="{8EFAA25A-D8D6-420E-B8D9-6181A6D61CA3}"/>
+                <a16:creationId xmlns:lc="http://schemas.openxmlformats.org/drawingml/2006/lockedCanvas" xmlns:a16="http://schemas.microsoft.com/office/drawing/2014/main" xmlns="" id="{8EFAA25A-D8D6-420E-B8D9-6181A6D61CA3}"/>
               </a:ext>
             </a:extLst>
           </p:cNvPr>
@@ -18954,7 +18978,7 @@
           <p:cNvPr id="143" name="Rectangle 142">
             <a:extLst>
               <a:ext uri="{FF2B5EF4-FFF2-40B4-BE49-F238E27FC236}">
-                <a16:creationId xmlns:a16="http://schemas.microsoft.com/office/drawing/2014/main" xmlns="" id="{C820B1CE-1074-44C3-81AF-B93E081EDCAB}"/>
+                <a16:creationId xmlns="" xmlns:a16="http://schemas.microsoft.com/office/drawing/2014/main" id="{C820B1CE-1074-44C3-81AF-B93E081EDCAB}"/>
               </a:ext>
             </a:extLst>
           </p:cNvPr>
@@ -21465,7 +21489,7 @@
           <p:cNvPr id="215" name="Rectangle 214">
             <a:extLst>
               <a:ext uri="{FF2B5EF4-FFF2-40B4-BE49-F238E27FC236}">
-                <a16:creationId xmlns:a16="http://schemas.microsoft.com/office/drawing/2014/main" xmlns="" id="{C820B1CE-1074-44C3-81AF-B93E081EDCAB}"/>
+                <a16:creationId xmlns="" xmlns:a16="http://schemas.microsoft.com/office/drawing/2014/main" id="{C820B1CE-1074-44C3-81AF-B93E081EDCAB}"/>
               </a:ext>
             </a:extLst>
           </p:cNvPr>
@@ -21526,7 +21550,7 @@
           <p:cNvPr id="217" name="Elbow Connector 61">
             <a:extLst>
               <a:ext uri="{FF2B5EF4-FFF2-40B4-BE49-F238E27FC236}">
-                <a16:creationId xmlns:a16="http://schemas.microsoft.com/office/drawing/2014/main" xmlns="" id="{AF83B36C-BD7B-44EB-9858-7C09B3F72809}"/>
+                <a16:creationId xmlns="" xmlns:a16="http://schemas.microsoft.com/office/drawing/2014/main" id="{AF83B36C-BD7B-44EB-9858-7C09B3F72809}"/>
               </a:ext>
             </a:extLst>
           </p:cNvPr>
@@ -21573,7 +21597,7 @@
           <p:cNvPr id="218" name="Elbow Connector 61">
             <a:extLst>
               <a:ext uri="{FF2B5EF4-FFF2-40B4-BE49-F238E27FC236}">
-                <a16:creationId xmlns:a16="http://schemas.microsoft.com/office/drawing/2014/main" xmlns="" id="{AF83B36C-BD7B-44EB-9858-7C09B3F72809}"/>
+                <a16:creationId xmlns="" xmlns:a16="http://schemas.microsoft.com/office/drawing/2014/main" id="{AF83B36C-BD7B-44EB-9858-7C09B3F72809}"/>
               </a:ext>
             </a:extLst>
           </p:cNvPr>
@@ -21620,7 +21644,7 @@
           <p:cNvPr id="271" name="Straight Arrow Connector 270">
             <a:extLst>
               <a:ext uri="{FF2B5EF4-FFF2-40B4-BE49-F238E27FC236}">
-                <a16:creationId xmlns="" xmlns:a16="http://schemas.microsoft.com/office/drawing/2014/main" xmlns:lc="http://schemas.openxmlformats.org/drawingml/2006/lockedCanvas" id="{8EFAA25A-D8D6-420E-B8D9-6181A6D61CA3}"/>
+                <a16:creationId xmlns:lc="http://schemas.openxmlformats.org/drawingml/2006/lockedCanvas" xmlns:a16="http://schemas.microsoft.com/office/drawing/2014/main" xmlns="" id="{8EFAA25A-D8D6-420E-B8D9-6181A6D61CA3}"/>
               </a:ext>
             </a:extLst>
           </p:cNvPr>
@@ -21665,7 +21689,7 @@
           <p:cNvPr id="275" name="Straight Arrow Connector 274">
             <a:extLst>
               <a:ext uri="{FF2B5EF4-FFF2-40B4-BE49-F238E27FC236}">
-                <a16:creationId xmlns="" xmlns:a16="http://schemas.microsoft.com/office/drawing/2014/main" xmlns:lc="http://schemas.openxmlformats.org/drawingml/2006/lockedCanvas" id="{8EFAA25A-D8D6-420E-B8D9-6181A6D61CA3}"/>
+                <a16:creationId xmlns:lc="http://schemas.openxmlformats.org/drawingml/2006/lockedCanvas" xmlns:a16="http://schemas.microsoft.com/office/drawing/2014/main" xmlns="" id="{8EFAA25A-D8D6-420E-B8D9-6181A6D61CA3}"/>
               </a:ext>
             </a:extLst>
           </p:cNvPr>
@@ -21769,7 +21793,7 @@
           <p:cNvPr id="279" name="Straight Arrow Connector 278">
             <a:extLst>
               <a:ext uri="{FF2B5EF4-FFF2-40B4-BE49-F238E27FC236}">
-                <a16:creationId xmlns="" xmlns:a16="http://schemas.microsoft.com/office/drawing/2014/main" xmlns:lc="http://schemas.openxmlformats.org/drawingml/2006/lockedCanvas" id="{8EFAA25A-D8D6-420E-B8D9-6181A6D61CA3}"/>
+                <a16:creationId xmlns:lc="http://schemas.openxmlformats.org/drawingml/2006/lockedCanvas" xmlns:a16="http://schemas.microsoft.com/office/drawing/2014/main" xmlns="" id="{8EFAA25A-D8D6-420E-B8D9-6181A6D61CA3}"/>
               </a:ext>
             </a:extLst>
           </p:cNvPr>
@@ -21814,7 +21838,7 @@
           <p:cNvPr id="280" name="Straight Arrow Connector 279">
             <a:extLst>
               <a:ext uri="{FF2B5EF4-FFF2-40B4-BE49-F238E27FC236}">
-                <a16:creationId xmlns="" xmlns:a16="http://schemas.microsoft.com/office/drawing/2014/main" xmlns:lc="http://schemas.openxmlformats.org/drawingml/2006/lockedCanvas" id="{8EFAA25A-D8D6-420E-B8D9-6181A6D61CA3}"/>
+                <a16:creationId xmlns:lc="http://schemas.openxmlformats.org/drawingml/2006/lockedCanvas" xmlns:a16="http://schemas.microsoft.com/office/drawing/2014/main" xmlns="" id="{8EFAA25A-D8D6-420E-B8D9-6181A6D61CA3}"/>
               </a:ext>
             </a:extLst>
           </p:cNvPr>
@@ -24438,7 +24462,7 @@
           <p:cNvPr id="156" name="Straight Arrow Connector 155">
             <a:extLst>
               <a:ext uri="{FF2B5EF4-FFF2-40B4-BE49-F238E27FC236}">
-                <a16:creationId xmlns="" xmlns:a16="http://schemas.microsoft.com/office/drawing/2014/main" xmlns:lc="http://schemas.openxmlformats.org/drawingml/2006/lockedCanvas" id="{8EFAA25A-D8D6-420E-B8D9-6181A6D61CA3}"/>
+                <a16:creationId xmlns:lc="http://schemas.openxmlformats.org/drawingml/2006/lockedCanvas" xmlns:a16="http://schemas.microsoft.com/office/drawing/2014/main" xmlns="" id="{8EFAA25A-D8D6-420E-B8D9-6181A6D61CA3}"/>
               </a:ext>
             </a:extLst>
           </p:cNvPr>
@@ -24483,7 +24507,7 @@
           <p:cNvPr id="158" name="Straight Arrow Connector 157">
             <a:extLst>
               <a:ext uri="{FF2B5EF4-FFF2-40B4-BE49-F238E27FC236}">
-                <a16:creationId xmlns="" xmlns:a16="http://schemas.microsoft.com/office/drawing/2014/main" xmlns:lc="http://schemas.openxmlformats.org/drawingml/2006/lockedCanvas" id="{8EFAA25A-D8D6-420E-B8D9-6181A6D61CA3}"/>
+                <a16:creationId xmlns:lc="http://schemas.openxmlformats.org/drawingml/2006/lockedCanvas" xmlns:a16="http://schemas.microsoft.com/office/drawing/2014/main" xmlns="" id="{8EFAA25A-D8D6-420E-B8D9-6181A6D61CA3}"/>
               </a:ext>
             </a:extLst>
           </p:cNvPr>
@@ -24528,7 +24552,7 @@
           <p:cNvPr id="160" name="Straight Arrow Connector 159">
             <a:extLst>
               <a:ext uri="{FF2B5EF4-FFF2-40B4-BE49-F238E27FC236}">
-                <a16:creationId xmlns="" xmlns:a16="http://schemas.microsoft.com/office/drawing/2014/main" xmlns:lc="http://schemas.openxmlformats.org/drawingml/2006/lockedCanvas" id="{8EFAA25A-D8D6-420E-B8D9-6181A6D61CA3}"/>
+                <a16:creationId xmlns:lc="http://schemas.openxmlformats.org/drawingml/2006/lockedCanvas" xmlns:a16="http://schemas.microsoft.com/office/drawing/2014/main" xmlns="" id="{8EFAA25A-D8D6-420E-B8D9-6181A6D61CA3}"/>
               </a:ext>
             </a:extLst>
           </p:cNvPr>
@@ -24573,7 +24597,7 @@
           <p:cNvPr id="166" name="Straight Arrow Connector 165">
             <a:extLst>
               <a:ext uri="{FF2B5EF4-FFF2-40B4-BE49-F238E27FC236}">
-                <a16:creationId xmlns="" xmlns:a16="http://schemas.microsoft.com/office/drawing/2014/main" xmlns:lc="http://schemas.openxmlformats.org/drawingml/2006/lockedCanvas" id="{8EFAA25A-D8D6-420E-B8D9-6181A6D61CA3}"/>
+                <a16:creationId xmlns:lc="http://schemas.openxmlformats.org/drawingml/2006/lockedCanvas" xmlns:a16="http://schemas.microsoft.com/office/drawing/2014/main" xmlns="" id="{8EFAA25A-D8D6-420E-B8D9-6181A6D61CA3}"/>
               </a:ext>
             </a:extLst>
           </p:cNvPr>
@@ -24618,7 +24642,7 @@
           <p:cNvPr id="169" name="Straight Arrow Connector 168">
             <a:extLst>
               <a:ext uri="{FF2B5EF4-FFF2-40B4-BE49-F238E27FC236}">
-                <a16:creationId xmlns="" xmlns:a16="http://schemas.microsoft.com/office/drawing/2014/main" xmlns:lc="http://schemas.openxmlformats.org/drawingml/2006/lockedCanvas" id="{8EFAA25A-D8D6-420E-B8D9-6181A6D61CA3}"/>
+                <a16:creationId xmlns:lc="http://schemas.openxmlformats.org/drawingml/2006/lockedCanvas" xmlns:a16="http://schemas.microsoft.com/office/drawing/2014/main" xmlns="" id="{8EFAA25A-D8D6-420E-B8D9-6181A6D61CA3}"/>
               </a:ext>
             </a:extLst>
           </p:cNvPr>
@@ -24663,7 +24687,7 @@
           <p:cNvPr id="176" name="Straight Arrow Connector 175">
             <a:extLst>
               <a:ext uri="{FF2B5EF4-FFF2-40B4-BE49-F238E27FC236}">
-                <a16:creationId xmlns="" xmlns:a16="http://schemas.microsoft.com/office/drawing/2014/main" xmlns:lc="http://schemas.openxmlformats.org/drawingml/2006/lockedCanvas" id="{8EFAA25A-D8D6-420E-B8D9-6181A6D61CA3}"/>
+                <a16:creationId xmlns:lc="http://schemas.openxmlformats.org/drawingml/2006/lockedCanvas" xmlns:a16="http://schemas.microsoft.com/office/drawing/2014/main" xmlns="" id="{8EFAA25A-D8D6-420E-B8D9-6181A6D61CA3}"/>
               </a:ext>
             </a:extLst>
           </p:cNvPr>
@@ -24708,7 +24732,7 @@
           <p:cNvPr id="180" name="Straight Arrow Connector 179">
             <a:extLst>
               <a:ext uri="{FF2B5EF4-FFF2-40B4-BE49-F238E27FC236}">
-                <a16:creationId xmlns="" xmlns:a16="http://schemas.microsoft.com/office/drawing/2014/main" xmlns:lc="http://schemas.openxmlformats.org/drawingml/2006/lockedCanvas" id="{8EFAA25A-D8D6-420E-B8D9-6181A6D61CA3}"/>
+                <a16:creationId xmlns:lc="http://schemas.openxmlformats.org/drawingml/2006/lockedCanvas" xmlns:a16="http://schemas.microsoft.com/office/drawing/2014/main" xmlns="" id="{8EFAA25A-D8D6-420E-B8D9-6181A6D61CA3}"/>
               </a:ext>
             </a:extLst>
           </p:cNvPr>
@@ -24753,7 +24777,7 @@
           <p:cNvPr id="184" name="Straight Arrow Connector 183">
             <a:extLst>
               <a:ext uri="{FF2B5EF4-FFF2-40B4-BE49-F238E27FC236}">
-                <a16:creationId xmlns="" xmlns:a16="http://schemas.microsoft.com/office/drawing/2014/main" xmlns:lc="http://schemas.openxmlformats.org/drawingml/2006/lockedCanvas" id="{8EFAA25A-D8D6-420E-B8D9-6181A6D61CA3}"/>
+                <a16:creationId xmlns:lc="http://schemas.openxmlformats.org/drawingml/2006/lockedCanvas" xmlns:a16="http://schemas.microsoft.com/office/drawing/2014/main" xmlns="" id="{8EFAA25A-D8D6-420E-B8D9-6181A6D61CA3}"/>
               </a:ext>
             </a:extLst>
           </p:cNvPr>
@@ -24798,7 +24822,7 @@
           <p:cNvPr id="191" name="Straight Arrow Connector 190">
             <a:extLst>
               <a:ext uri="{FF2B5EF4-FFF2-40B4-BE49-F238E27FC236}">
-                <a16:creationId xmlns="" xmlns:a16="http://schemas.microsoft.com/office/drawing/2014/main" xmlns:lc="http://schemas.openxmlformats.org/drawingml/2006/lockedCanvas" id="{8EFAA25A-D8D6-420E-B8D9-6181A6D61CA3}"/>
+                <a16:creationId xmlns:lc="http://schemas.openxmlformats.org/drawingml/2006/lockedCanvas" xmlns:a16="http://schemas.microsoft.com/office/drawing/2014/main" xmlns="" id="{8EFAA25A-D8D6-420E-B8D9-6181A6D61CA3}"/>
               </a:ext>
             </a:extLst>
           </p:cNvPr>
@@ -24843,7 +24867,7 @@
           <p:cNvPr id="196" name="Straight Arrow Connector 195">
             <a:extLst>
               <a:ext uri="{FF2B5EF4-FFF2-40B4-BE49-F238E27FC236}">
-                <a16:creationId xmlns="" xmlns:a16="http://schemas.microsoft.com/office/drawing/2014/main" xmlns:lc="http://schemas.openxmlformats.org/drawingml/2006/lockedCanvas" id="{8EFAA25A-D8D6-420E-B8D9-6181A6D61CA3}"/>
+                <a16:creationId xmlns:lc="http://schemas.openxmlformats.org/drawingml/2006/lockedCanvas" xmlns:a16="http://schemas.microsoft.com/office/drawing/2014/main" xmlns="" id="{8EFAA25A-D8D6-420E-B8D9-6181A6D61CA3}"/>
               </a:ext>
             </a:extLst>
           </p:cNvPr>
@@ -24888,7 +24912,7 @@
           <p:cNvPr id="199" name="Straight Arrow Connector 198">
             <a:extLst>
               <a:ext uri="{FF2B5EF4-FFF2-40B4-BE49-F238E27FC236}">
-                <a16:creationId xmlns="" xmlns:a16="http://schemas.microsoft.com/office/drawing/2014/main" xmlns:lc="http://schemas.openxmlformats.org/drawingml/2006/lockedCanvas" id="{8EFAA25A-D8D6-420E-B8D9-6181A6D61CA3}"/>
+                <a16:creationId xmlns:lc="http://schemas.openxmlformats.org/drawingml/2006/lockedCanvas" xmlns:a16="http://schemas.microsoft.com/office/drawing/2014/main" xmlns="" id="{8EFAA25A-D8D6-420E-B8D9-6181A6D61CA3}"/>
               </a:ext>
             </a:extLst>
           </p:cNvPr>
@@ -24933,7 +24957,7 @@
           <p:cNvPr id="204" name="Straight Arrow Connector 203">
             <a:extLst>
               <a:ext uri="{FF2B5EF4-FFF2-40B4-BE49-F238E27FC236}">
-                <a16:creationId xmlns="" xmlns:a16="http://schemas.microsoft.com/office/drawing/2014/main" xmlns:lc="http://schemas.openxmlformats.org/drawingml/2006/lockedCanvas" id="{8EFAA25A-D8D6-420E-B8D9-6181A6D61CA3}"/>
+                <a16:creationId xmlns:lc="http://schemas.openxmlformats.org/drawingml/2006/lockedCanvas" xmlns:a16="http://schemas.microsoft.com/office/drawing/2014/main" xmlns="" id="{8EFAA25A-D8D6-420E-B8D9-6181A6D61CA3}"/>
               </a:ext>
             </a:extLst>
           </p:cNvPr>
@@ -24978,7 +25002,7 @@
           <p:cNvPr id="208" name="Straight Arrow Connector 207">
             <a:extLst>
               <a:ext uri="{FF2B5EF4-FFF2-40B4-BE49-F238E27FC236}">
-                <a16:creationId xmlns="" xmlns:a16="http://schemas.microsoft.com/office/drawing/2014/main" xmlns:lc="http://schemas.openxmlformats.org/drawingml/2006/lockedCanvas" id="{8EFAA25A-D8D6-420E-B8D9-6181A6D61CA3}"/>
+                <a16:creationId xmlns:lc="http://schemas.openxmlformats.org/drawingml/2006/lockedCanvas" xmlns:a16="http://schemas.microsoft.com/office/drawing/2014/main" xmlns="" id="{8EFAA25A-D8D6-420E-B8D9-6181A6D61CA3}"/>
               </a:ext>
             </a:extLst>
           </p:cNvPr>
@@ -25023,7 +25047,7 @@
           <p:cNvPr id="211" name="Straight Arrow Connector 210">
             <a:extLst>
               <a:ext uri="{FF2B5EF4-FFF2-40B4-BE49-F238E27FC236}">
-                <a16:creationId xmlns="" xmlns:a16="http://schemas.microsoft.com/office/drawing/2014/main" xmlns:lc="http://schemas.openxmlformats.org/drawingml/2006/lockedCanvas" id="{8EFAA25A-D8D6-420E-B8D9-6181A6D61CA3}"/>
+                <a16:creationId xmlns:lc="http://schemas.openxmlformats.org/drawingml/2006/lockedCanvas" xmlns:a16="http://schemas.microsoft.com/office/drawing/2014/main" xmlns="" id="{8EFAA25A-D8D6-420E-B8D9-6181A6D61CA3}"/>
               </a:ext>
             </a:extLst>
           </p:cNvPr>
@@ -25260,7 +25284,7 @@
           <p:cNvPr id="226" name="Straight Arrow Connector 225">
             <a:extLst>
               <a:ext uri="{FF2B5EF4-FFF2-40B4-BE49-F238E27FC236}">
-                <a16:creationId xmlns="" xmlns:a16="http://schemas.microsoft.com/office/drawing/2014/main" xmlns:lc="http://schemas.openxmlformats.org/drawingml/2006/lockedCanvas" id="{8EFAA25A-D8D6-420E-B8D9-6181A6D61CA3}"/>
+                <a16:creationId xmlns:lc="http://schemas.openxmlformats.org/drawingml/2006/lockedCanvas" xmlns:a16="http://schemas.microsoft.com/office/drawing/2014/main" xmlns="" id="{8EFAA25A-D8D6-420E-B8D9-6181A6D61CA3}"/>
               </a:ext>
             </a:extLst>
           </p:cNvPr>
@@ -25305,7 +25329,7 @@
           <p:cNvPr id="229" name="Straight Arrow Connector 228">
             <a:extLst>
               <a:ext uri="{FF2B5EF4-FFF2-40B4-BE49-F238E27FC236}">
-                <a16:creationId xmlns="" xmlns:a16="http://schemas.microsoft.com/office/drawing/2014/main" xmlns:lc="http://schemas.openxmlformats.org/drawingml/2006/lockedCanvas" id="{8EFAA25A-D8D6-420E-B8D9-6181A6D61CA3}"/>
+                <a16:creationId xmlns:lc="http://schemas.openxmlformats.org/drawingml/2006/lockedCanvas" xmlns:a16="http://schemas.microsoft.com/office/drawing/2014/main" xmlns="" id="{8EFAA25A-D8D6-420E-B8D9-6181A6D61CA3}"/>
               </a:ext>
             </a:extLst>
           </p:cNvPr>
@@ -25350,7 +25374,7 @@
           <p:cNvPr id="232" name="Straight Arrow Connector 231">
             <a:extLst>
               <a:ext uri="{FF2B5EF4-FFF2-40B4-BE49-F238E27FC236}">
-                <a16:creationId xmlns="" xmlns:a16="http://schemas.microsoft.com/office/drawing/2014/main" xmlns:lc="http://schemas.openxmlformats.org/drawingml/2006/lockedCanvas" id="{8EFAA25A-D8D6-420E-B8D9-6181A6D61CA3}"/>
+                <a16:creationId xmlns:lc="http://schemas.openxmlformats.org/drawingml/2006/lockedCanvas" xmlns:a16="http://schemas.microsoft.com/office/drawing/2014/main" xmlns="" id="{8EFAA25A-D8D6-420E-B8D9-6181A6D61CA3}"/>
               </a:ext>
             </a:extLst>
           </p:cNvPr>
@@ -25395,7 +25419,7 @@
           <p:cNvPr id="235" name="Straight Arrow Connector 234">
             <a:extLst>
               <a:ext uri="{FF2B5EF4-FFF2-40B4-BE49-F238E27FC236}">
-                <a16:creationId xmlns="" xmlns:a16="http://schemas.microsoft.com/office/drawing/2014/main" xmlns:lc="http://schemas.openxmlformats.org/drawingml/2006/lockedCanvas" id="{8EFAA25A-D8D6-420E-B8D9-6181A6D61CA3}"/>
+                <a16:creationId xmlns:lc="http://schemas.openxmlformats.org/drawingml/2006/lockedCanvas" xmlns:a16="http://schemas.microsoft.com/office/drawing/2014/main" xmlns="" id="{8EFAA25A-D8D6-420E-B8D9-6181A6D61CA3}"/>
               </a:ext>
             </a:extLst>
           </p:cNvPr>
@@ -25440,7 +25464,7 @@
           <p:cNvPr id="242" name="Straight Arrow Connector 241">
             <a:extLst>
               <a:ext uri="{FF2B5EF4-FFF2-40B4-BE49-F238E27FC236}">
-                <a16:creationId xmlns="" xmlns:a16="http://schemas.microsoft.com/office/drawing/2014/main" xmlns:lc="http://schemas.openxmlformats.org/drawingml/2006/lockedCanvas" id="{8EFAA25A-D8D6-420E-B8D9-6181A6D61CA3}"/>
+                <a16:creationId xmlns:lc="http://schemas.openxmlformats.org/drawingml/2006/lockedCanvas" xmlns:a16="http://schemas.microsoft.com/office/drawing/2014/main" xmlns="" id="{8EFAA25A-D8D6-420E-B8D9-6181A6D61CA3}"/>
               </a:ext>
             </a:extLst>
           </p:cNvPr>
@@ -25485,7 +25509,7 @@
           <p:cNvPr id="253" name="Straight Arrow Connector 252">
             <a:extLst>
               <a:ext uri="{FF2B5EF4-FFF2-40B4-BE49-F238E27FC236}">
-                <a16:creationId xmlns="" xmlns:a16="http://schemas.microsoft.com/office/drawing/2014/main" xmlns:lc="http://schemas.openxmlformats.org/drawingml/2006/lockedCanvas" id="{8EFAA25A-D8D6-420E-B8D9-6181A6D61CA3}"/>
+                <a16:creationId xmlns:lc="http://schemas.openxmlformats.org/drawingml/2006/lockedCanvas" xmlns:a16="http://schemas.microsoft.com/office/drawing/2014/main" xmlns="" id="{8EFAA25A-D8D6-420E-B8D9-6181A6D61CA3}"/>
               </a:ext>
             </a:extLst>
           </p:cNvPr>
@@ -25530,7 +25554,7 @@
           <p:cNvPr id="269" name="Straight Arrow Connector 268">
             <a:extLst>
               <a:ext uri="{FF2B5EF4-FFF2-40B4-BE49-F238E27FC236}">
-                <a16:creationId xmlns="" xmlns:a16="http://schemas.microsoft.com/office/drawing/2014/main" xmlns:lc="http://schemas.openxmlformats.org/drawingml/2006/lockedCanvas" id="{8EFAA25A-D8D6-420E-B8D9-6181A6D61CA3}"/>
+                <a16:creationId xmlns:lc="http://schemas.openxmlformats.org/drawingml/2006/lockedCanvas" xmlns:a16="http://schemas.microsoft.com/office/drawing/2014/main" xmlns="" id="{8EFAA25A-D8D6-420E-B8D9-6181A6D61CA3}"/>
               </a:ext>
             </a:extLst>
           </p:cNvPr>
@@ -25760,7 +25784,7 @@
           <p:cNvPr id="284" name="Straight Arrow Connector 283">
             <a:extLst>
               <a:ext uri="{FF2B5EF4-FFF2-40B4-BE49-F238E27FC236}">
-                <a16:creationId xmlns="" xmlns:a16="http://schemas.microsoft.com/office/drawing/2014/main" xmlns:lc="http://schemas.openxmlformats.org/drawingml/2006/lockedCanvas" id="{8EFAA25A-D8D6-420E-B8D9-6181A6D61CA3}"/>
+                <a16:creationId xmlns:lc="http://schemas.openxmlformats.org/drawingml/2006/lockedCanvas" xmlns:a16="http://schemas.microsoft.com/office/drawing/2014/main" xmlns="" id="{8EFAA25A-D8D6-420E-B8D9-6181A6D61CA3}"/>
               </a:ext>
             </a:extLst>
           </p:cNvPr>
@@ -26061,7 +26085,7 @@
           <p:cNvPr id="297" name="Straight Arrow Connector 296">
             <a:extLst>
               <a:ext uri="{FF2B5EF4-FFF2-40B4-BE49-F238E27FC236}">
-                <a16:creationId xmlns="" xmlns:a16="http://schemas.microsoft.com/office/drawing/2014/main" xmlns:lc="http://schemas.openxmlformats.org/drawingml/2006/lockedCanvas" id="{8EFAA25A-D8D6-420E-B8D9-6181A6D61CA3}"/>
+                <a16:creationId xmlns:lc="http://schemas.openxmlformats.org/drawingml/2006/lockedCanvas" xmlns:a16="http://schemas.microsoft.com/office/drawing/2014/main" xmlns="" id="{8EFAA25A-D8D6-420E-B8D9-6181A6D61CA3}"/>
               </a:ext>
             </a:extLst>
           </p:cNvPr>
@@ -28725,7 +28749,7 @@
           <p:cNvPr id="156" name="Straight Arrow Connector 155">
             <a:extLst>
               <a:ext uri="{FF2B5EF4-FFF2-40B4-BE49-F238E27FC236}">
-                <a16:creationId xmlns="" xmlns:a16="http://schemas.microsoft.com/office/drawing/2014/main" xmlns:lc="http://schemas.openxmlformats.org/drawingml/2006/lockedCanvas" id="{8EFAA25A-D8D6-420E-B8D9-6181A6D61CA3}"/>
+                <a16:creationId xmlns:lc="http://schemas.openxmlformats.org/drawingml/2006/lockedCanvas" xmlns:a16="http://schemas.microsoft.com/office/drawing/2014/main" xmlns="" id="{8EFAA25A-D8D6-420E-B8D9-6181A6D61CA3}"/>
               </a:ext>
             </a:extLst>
           </p:cNvPr>
@@ -28770,7 +28794,7 @@
           <p:cNvPr id="158" name="Straight Arrow Connector 157">
             <a:extLst>
               <a:ext uri="{FF2B5EF4-FFF2-40B4-BE49-F238E27FC236}">
-                <a16:creationId xmlns="" xmlns:a16="http://schemas.microsoft.com/office/drawing/2014/main" xmlns:lc="http://schemas.openxmlformats.org/drawingml/2006/lockedCanvas" id="{8EFAA25A-D8D6-420E-B8D9-6181A6D61CA3}"/>
+                <a16:creationId xmlns:lc="http://schemas.openxmlformats.org/drawingml/2006/lockedCanvas" xmlns:a16="http://schemas.microsoft.com/office/drawing/2014/main" xmlns="" id="{8EFAA25A-D8D6-420E-B8D9-6181A6D61CA3}"/>
               </a:ext>
             </a:extLst>
           </p:cNvPr>
@@ -28815,7 +28839,7 @@
           <p:cNvPr id="160" name="Straight Arrow Connector 159">
             <a:extLst>
               <a:ext uri="{FF2B5EF4-FFF2-40B4-BE49-F238E27FC236}">
-                <a16:creationId xmlns="" xmlns:a16="http://schemas.microsoft.com/office/drawing/2014/main" xmlns:lc="http://schemas.openxmlformats.org/drawingml/2006/lockedCanvas" id="{8EFAA25A-D8D6-420E-B8D9-6181A6D61CA3}"/>
+                <a16:creationId xmlns:lc="http://schemas.openxmlformats.org/drawingml/2006/lockedCanvas" xmlns:a16="http://schemas.microsoft.com/office/drawing/2014/main" xmlns="" id="{8EFAA25A-D8D6-420E-B8D9-6181A6D61CA3}"/>
               </a:ext>
             </a:extLst>
           </p:cNvPr>
@@ -28860,7 +28884,7 @@
           <p:cNvPr id="166" name="Straight Arrow Connector 165">
             <a:extLst>
               <a:ext uri="{FF2B5EF4-FFF2-40B4-BE49-F238E27FC236}">
-                <a16:creationId xmlns="" xmlns:a16="http://schemas.microsoft.com/office/drawing/2014/main" xmlns:lc="http://schemas.openxmlformats.org/drawingml/2006/lockedCanvas" id="{8EFAA25A-D8D6-420E-B8D9-6181A6D61CA3}"/>
+                <a16:creationId xmlns:lc="http://schemas.openxmlformats.org/drawingml/2006/lockedCanvas" xmlns:a16="http://schemas.microsoft.com/office/drawing/2014/main" xmlns="" id="{8EFAA25A-D8D6-420E-B8D9-6181A6D61CA3}"/>
               </a:ext>
             </a:extLst>
           </p:cNvPr>
@@ -28905,7 +28929,7 @@
           <p:cNvPr id="169" name="Straight Arrow Connector 168">
             <a:extLst>
               <a:ext uri="{FF2B5EF4-FFF2-40B4-BE49-F238E27FC236}">
-                <a16:creationId xmlns="" xmlns:a16="http://schemas.microsoft.com/office/drawing/2014/main" xmlns:lc="http://schemas.openxmlformats.org/drawingml/2006/lockedCanvas" id="{8EFAA25A-D8D6-420E-B8D9-6181A6D61CA3}"/>
+                <a16:creationId xmlns:lc="http://schemas.openxmlformats.org/drawingml/2006/lockedCanvas" xmlns:a16="http://schemas.microsoft.com/office/drawing/2014/main" xmlns="" id="{8EFAA25A-D8D6-420E-B8D9-6181A6D61CA3}"/>
               </a:ext>
             </a:extLst>
           </p:cNvPr>
@@ -28950,7 +28974,7 @@
           <p:cNvPr id="176" name="Straight Arrow Connector 175">
             <a:extLst>
               <a:ext uri="{FF2B5EF4-FFF2-40B4-BE49-F238E27FC236}">
-                <a16:creationId xmlns="" xmlns:a16="http://schemas.microsoft.com/office/drawing/2014/main" xmlns:lc="http://schemas.openxmlformats.org/drawingml/2006/lockedCanvas" id="{8EFAA25A-D8D6-420E-B8D9-6181A6D61CA3}"/>
+                <a16:creationId xmlns:lc="http://schemas.openxmlformats.org/drawingml/2006/lockedCanvas" xmlns:a16="http://schemas.microsoft.com/office/drawing/2014/main" xmlns="" id="{8EFAA25A-D8D6-420E-B8D9-6181A6D61CA3}"/>
               </a:ext>
             </a:extLst>
           </p:cNvPr>
@@ -28995,7 +29019,7 @@
           <p:cNvPr id="180" name="Straight Arrow Connector 179">
             <a:extLst>
               <a:ext uri="{FF2B5EF4-FFF2-40B4-BE49-F238E27FC236}">
-                <a16:creationId xmlns="" xmlns:a16="http://schemas.microsoft.com/office/drawing/2014/main" xmlns:lc="http://schemas.openxmlformats.org/drawingml/2006/lockedCanvas" id="{8EFAA25A-D8D6-420E-B8D9-6181A6D61CA3}"/>
+                <a16:creationId xmlns:lc="http://schemas.openxmlformats.org/drawingml/2006/lockedCanvas" xmlns:a16="http://schemas.microsoft.com/office/drawing/2014/main" xmlns="" id="{8EFAA25A-D8D6-420E-B8D9-6181A6D61CA3}"/>
               </a:ext>
             </a:extLst>
           </p:cNvPr>
@@ -29040,7 +29064,7 @@
           <p:cNvPr id="184" name="Straight Arrow Connector 183">
             <a:extLst>
               <a:ext uri="{FF2B5EF4-FFF2-40B4-BE49-F238E27FC236}">
-                <a16:creationId xmlns="" xmlns:a16="http://schemas.microsoft.com/office/drawing/2014/main" xmlns:lc="http://schemas.openxmlformats.org/drawingml/2006/lockedCanvas" id="{8EFAA25A-D8D6-420E-B8D9-6181A6D61CA3}"/>
+                <a16:creationId xmlns:lc="http://schemas.openxmlformats.org/drawingml/2006/lockedCanvas" xmlns:a16="http://schemas.microsoft.com/office/drawing/2014/main" xmlns="" id="{8EFAA25A-D8D6-420E-B8D9-6181A6D61CA3}"/>
               </a:ext>
             </a:extLst>
           </p:cNvPr>
@@ -29085,7 +29109,7 @@
           <p:cNvPr id="191" name="Straight Arrow Connector 190">
             <a:extLst>
               <a:ext uri="{FF2B5EF4-FFF2-40B4-BE49-F238E27FC236}">
-                <a16:creationId xmlns="" xmlns:a16="http://schemas.microsoft.com/office/drawing/2014/main" xmlns:lc="http://schemas.openxmlformats.org/drawingml/2006/lockedCanvas" id="{8EFAA25A-D8D6-420E-B8D9-6181A6D61CA3}"/>
+                <a16:creationId xmlns:lc="http://schemas.openxmlformats.org/drawingml/2006/lockedCanvas" xmlns:a16="http://schemas.microsoft.com/office/drawing/2014/main" xmlns="" id="{8EFAA25A-D8D6-420E-B8D9-6181A6D61CA3}"/>
               </a:ext>
             </a:extLst>
           </p:cNvPr>
@@ -29130,7 +29154,7 @@
           <p:cNvPr id="196" name="Straight Arrow Connector 195">
             <a:extLst>
               <a:ext uri="{FF2B5EF4-FFF2-40B4-BE49-F238E27FC236}">
-                <a16:creationId xmlns="" xmlns:a16="http://schemas.microsoft.com/office/drawing/2014/main" xmlns:lc="http://schemas.openxmlformats.org/drawingml/2006/lockedCanvas" id="{8EFAA25A-D8D6-420E-B8D9-6181A6D61CA3}"/>
+                <a16:creationId xmlns:lc="http://schemas.openxmlformats.org/drawingml/2006/lockedCanvas" xmlns:a16="http://schemas.microsoft.com/office/drawing/2014/main" xmlns="" id="{8EFAA25A-D8D6-420E-B8D9-6181A6D61CA3}"/>
               </a:ext>
             </a:extLst>
           </p:cNvPr>
@@ -29175,7 +29199,7 @@
           <p:cNvPr id="199" name="Straight Arrow Connector 198">
             <a:extLst>
               <a:ext uri="{FF2B5EF4-FFF2-40B4-BE49-F238E27FC236}">
-                <a16:creationId xmlns="" xmlns:a16="http://schemas.microsoft.com/office/drawing/2014/main" xmlns:lc="http://schemas.openxmlformats.org/drawingml/2006/lockedCanvas" id="{8EFAA25A-D8D6-420E-B8D9-6181A6D61CA3}"/>
+                <a16:creationId xmlns:lc="http://schemas.openxmlformats.org/drawingml/2006/lockedCanvas" xmlns:a16="http://schemas.microsoft.com/office/drawing/2014/main" xmlns="" id="{8EFAA25A-D8D6-420E-B8D9-6181A6D61CA3}"/>
               </a:ext>
             </a:extLst>
           </p:cNvPr>
@@ -29220,7 +29244,7 @@
           <p:cNvPr id="204" name="Straight Arrow Connector 203">
             <a:extLst>
               <a:ext uri="{FF2B5EF4-FFF2-40B4-BE49-F238E27FC236}">
-                <a16:creationId xmlns="" xmlns:a16="http://schemas.microsoft.com/office/drawing/2014/main" xmlns:lc="http://schemas.openxmlformats.org/drawingml/2006/lockedCanvas" id="{8EFAA25A-D8D6-420E-B8D9-6181A6D61CA3}"/>
+                <a16:creationId xmlns:lc="http://schemas.openxmlformats.org/drawingml/2006/lockedCanvas" xmlns:a16="http://schemas.microsoft.com/office/drawing/2014/main" xmlns="" id="{8EFAA25A-D8D6-420E-B8D9-6181A6D61CA3}"/>
               </a:ext>
             </a:extLst>
           </p:cNvPr>
@@ -29265,7 +29289,7 @@
           <p:cNvPr id="208" name="Straight Arrow Connector 207">
             <a:extLst>
               <a:ext uri="{FF2B5EF4-FFF2-40B4-BE49-F238E27FC236}">
-                <a16:creationId xmlns="" xmlns:a16="http://schemas.microsoft.com/office/drawing/2014/main" xmlns:lc="http://schemas.openxmlformats.org/drawingml/2006/lockedCanvas" id="{8EFAA25A-D8D6-420E-B8D9-6181A6D61CA3}"/>
+                <a16:creationId xmlns:lc="http://schemas.openxmlformats.org/drawingml/2006/lockedCanvas" xmlns:a16="http://schemas.microsoft.com/office/drawing/2014/main" xmlns="" id="{8EFAA25A-D8D6-420E-B8D9-6181A6D61CA3}"/>
               </a:ext>
             </a:extLst>
           </p:cNvPr>
@@ -29310,7 +29334,7 @@
           <p:cNvPr id="211" name="Straight Arrow Connector 210">
             <a:extLst>
               <a:ext uri="{FF2B5EF4-FFF2-40B4-BE49-F238E27FC236}">
-                <a16:creationId xmlns="" xmlns:a16="http://schemas.microsoft.com/office/drawing/2014/main" xmlns:lc="http://schemas.openxmlformats.org/drawingml/2006/lockedCanvas" id="{8EFAA25A-D8D6-420E-B8D9-6181A6D61CA3}"/>
+                <a16:creationId xmlns:lc="http://schemas.openxmlformats.org/drawingml/2006/lockedCanvas" xmlns:a16="http://schemas.microsoft.com/office/drawing/2014/main" xmlns="" id="{8EFAA25A-D8D6-420E-B8D9-6181A6D61CA3}"/>
               </a:ext>
             </a:extLst>
           </p:cNvPr>
@@ -29547,7 +29571,7 @@
           <p:cNvPr id="226" name="Straight Arrow Connector 225">
             <a:extLst>
               <a:ext uri="{FF2B5EF4-FFF2-40B4-BE49-F238E27FC236}">
-                <a16:creationId xmlns="" xmlns:a16="http://schemas.microsoft.com/office/drawing/2014/main" xmlns:lc="http://schemas.openxmlformats.org/drawingml/2006/lockedCanvas" id="{8EFAA25A-D8D6-420E-B8D9-6181A6D61CA3}"/>
+                <a16:creationId xmlns:lc="http://schemas.openxmlformats.org/drawingml/2006/lockedCanvas" xmlns:a16="http://schemas.microsoft.com/office/drawing/2014/main" xmlns="" id="{8EFAA25A-D8D6-420E-B8D9-6181A6D61CA3}"/>
               </a:ext>
             </a:extLst>
           </p:cNvPr>
@@ -29592,7 +29616,7 @@
           <p:cNvPr id="229" name="Straight Arrow Connector 228">
             <a:extLst>
               <a:ext uri="{FF2B5EF4-FFF2-40B4-BE49-F238E27FC236}">
-                <a16:creationId xmlns="" xmlns:a16="http://schemas.microsoft.com/office/drawing/2014/main" xmlns:lc="http://schemas.openxmlformats.org/drawingml/2006/lockedCanvas" id="{8EFAA25A-D8D6-420E-B8D9-6181A6D61CA3}"/>
+                <a16:creationId xmlns:lc="http://schemas.openxmlformats.org/drawingml/2006/lockedCanvas" xmlns:a16="http://schemas.microsoft.com/office/drawing/2014/main" xmlns="" id="{8EFAA25A-D8D6-420E-B8D9-6181A6D61CA3}"/>
               </a:ext>
             </a:extLst>
           </p:cNvPr>
@@ -29637,7 +29661,7 @@
           <p:cNvPr id="232" name="Straight Arrow Connector 231">
             <a:extLst>
               <a:ext uri="{FF2B5EF4-FFF2-40B4-BE49-F238E27FC236}">
-                <a16:creationId xmlns="" xmlns:a16="http://schemas.microsoft.com/office/drawing/2014/main" xmlns:lc="http://schemas.openxmlformats.org/drawingml/2006/lockedCanvas" id="{8EFAA25A-D8D6-420E-B8D9-6181A6D61CA3}"/>
+                <a16:creationId xmlns:lc="http://schemas.openxmlformats.org/drawingml/2006/lockedCanvas" xmlns:a16="http://schemas.microsoft.com/office/drawing/2014/main" xmlns="" id="{8EFAA25A-D8D6-420E-B8D9-6181A6D61CA3}"/>
               </a:ext>
             </a:extLst>
           </p:cNvPr>
@@ -29682,7 +29706,7 @@
           <p:cNvPr id="235" name="Straight Arrow Connector 234">
             <a:extLst>
               <a:ext uri="{FF2B5EF4-FFF2-40B4-BE49-F238E27FC236}">
-                <a16:creationId xmlns="" xmlns:a16="http://schemas.microsoft.com/office/drawing/2014/main" xmlns:lc="http://schemas.openxmlformats.org/drawingml/2006/lockedCanvas" id="{8EFAA25A-D8D6-420E-B8D9-6181A6D61CA3}"/>
+                <a16:creationId xmlns:lc="http://schemas.openxmlformats.org/drawingml/2006/lockedCanvas" xmlns:a16="http://schemas.microsoft.com/office/drawing/2014/main" xmlns="" id="{8EFAA25A-D8D6-420E-B8D9-6181A6D61CA3}"/>
               </a:ext>
             </a:extLst>
           </p:cNvPr>
@@ -29727,7 +29751,7 @@
           <p:cNvPr id="242" name="Straight Arrow Connector 241">
             <a:extLst>
               <a:ext uri="{FF2B5EF4-FFF2-40B4-BE49-F238E27FC236}">
-                <a16:creationId xmlns="" xmlns:a16="http://schemas.microsoft.com/office/drawing/2014/main" xmlns:lc="http://schemas.openxmlformats.org/drawingml/2006/lockedCanvas" id="{8EFAA25A-D8D6-420E-B8D9-6181A6D61CA3}"/>
+                <a16:creationId xmlns:lc="http://schemas.openxmlformats.org/drawingml/2006/lockedCanvas" xmlns:a16="http://schemas.microsoft.com/office/drawing/2014/main" xmlns="" id="{8EFAA25A-D8D6-420E-B8D9-6181A6D61CA3}"/>
               </a:ext>
             </a:extLst>
           </p:cNvPr>
@@ -29772,7 +29796,7 @@
           <p:cNvPr id="253" name="Straight Arrow Connector 252">
             <a:extLst>
               <a:ext uri="{FF2B5EF4-FFF2-40B4-BE49-F238E27FC236}">
-                <a16:creationId xmlns="" xmlns:a16="http://schemas.microsoft.com/office/drawing/2014/main" xmlns:lc="http://schemas.openxmlformats.org/drawingml/2006/lockedCanvas" id="{8EFAA25A-D8D6-420E-B8D9-6181A6D61CA3}"/>
+                <a16:creationId xmlns:lc="http://schemas.openxmlformats.org/drawingml/2006/lockedCanvas" xmlns:a16="http://schemas.microsoft.com/office/drawing/2014/main" xmlns="" id="{8EFAA25A-D8D6-420E-B8D9-6181A6D61CA3}"/>
               </a:ext>
             </a:extLst>
           </p:cNvPr>
@@ -29817,7 +29841,7 @@
           <p:cNvPr id="269" name="Straight Arrow Connector 268">
             <a:extLst>
               <a:ext uri="{FF2B5EF4-FFF2-40B4-BE49-F238E27FC236}">
-                <a16:creationId xmlns="" xmlns:a16="http://schemas.microsoft.com/office/drawing/2014/main" xmlns:lc="http://schemas.openxmlformats.org/drawingml/2006/lockedCanvas" id="{8EFAA25A-D8D6-420E-B8D9-6181A6D61CA3}"/>
+                <a16:creationId xmlns:lc="http://schemas.openxmlformats.org/drawingml/2006/lockedCanvas" xmlns:a16="http://schemas.microsoft.com/office/drawing/2014/main" xmlns="" id="{8EFAA25A-D8D6-420E-B8D9-6181A6D61CA3}"/>
               </a:ext>
             </a:extLst>
           </p:cNvPr>
@@ -30047,7 +30071,7 @@
           <p:cNvPr id="284" name="Straight Arrow Connector 283">
             <a:extLst>
               <a:ext uri="{FF2B5EF4-FFF2-40B4-BE49-F238E27FC236}">
-                <a16:creationId xmlns="" xmlns:a16="http://schemas.microsoft.com/office/drawing/2014/main" xmlns:lc="http://schemas.openxmlformats.org/drawingml/2006/lockedCanvas" id="{8EFAA25A-D8D6-420E-B8D9-6181A6D61CA3}"/>
+                <a16:creationId xmlns:lc="http://schemas.openxmlformats.org/drawingml/2006/lockedCanvas" xmlns:a16="http://schemas.microsoft.com/office/drawing/2014/main" xmlns="" id="{8EFAA25A-D8D6-420E-B8D9-6181A6D61CA3}"/>
               </a:ext>
             </a:extLst>
           </p:cNvPr>
@@ -30348,7 +30372,7 @@
           <p:cNvPr id="297" name="Straight Arrow Connector 296">
             <a:extLst>
               <a:ext uri="{FF2B5EF4-FFF2-40B4-BE49-F238E27FC236}">
-                <a16:creationId xmlns="" xmlns:a16="http://schemas.microsoft.com/office/drawing/2014/main" xmlns:lc="http://schemas.openxmlformats.org/drawingml/2006/lockedCanvas" id="{8EFAA25A-D8D6-420E-B8D9-6181A6D61CA3}"/>
+                <a16:creationId xmlns:lc="http://schemas.openxmlformats.org/drawingml/2006/lockedCanvas" xmlns:a16="http://schemas.microsoft.com/office/drawing/2014/main" xmlns="" id="{8EFAA25A-D8D6-420E-B8D9-6181A6D61CA3}"/>
               </a:ext>
             </a:extLst>
           </p:cNvPr>
@@ -32852,7 +32876,7 @@
           <p:cNvPr id="5" name="Rectangle 4">
             <a:extLst>
               <a:ext uri="{FF2B5EF4-FFF2-40B4-BE49-F238E27FC236}">
-                <a16:creationId xmlns:a16="http://schemas.microsoft.com/office/drawing/2014/main" xmlns="" id="{C820B1CE-1074-44C3-81AF-B93E081EDCAB}"/>
+                <a16:creationId xmlns="" xmlns:a16="http://schemas.microsoft.com/office/drawing/2014/main" id="{C820B1CE-1074-44C3-81AF-B93E081EDCAB}"/>
               </a:ext>
             </a:extLst>
           </p:cNvPr>
@@ -32920,7 +32944,7 @@
           <p:cNvPr id="6" name="Rectangle 5">
             <a:extLst>
               <a:ext uri="{FF2B5EF4-FFF2-40B4-BE49-F238E27FC236}">
-                <a16:creationId xmlns:a16="http://schemas.microsoft.com/office/drawing/2014/main" xmlns="" id="{C820B1CE-1074-44C3-81AF-B93E081EDCAB}"/>
+                <a16:creationId xmlns="" xmlns:a16="http://schemas.microsoft.com/office/drawing/2014/main" id="{C820B1CE-1074-44C3-81AF-B93E081EDCAB}"/>
               </a:ext>
             </a:extLst>
           </p:cNvPr>
@@ -32988,7 +33012,7 @@
           <p:cNvPr id="7" name="Rectangle 6">
             <a:extLst>
               <a:ext uri="{FF2B5EF4-FFF2-40B4-BE49-F238E27FC236}">
-                <a16:creationId xmlns:a16="http://schemas.microsoft.com/office/drawing/2014/main" xmlns="" id="{C820B1CE-1074-44C3-81AF-B93E081EDCAB}"/>
+                <a16:creationId xmlns="" xmlns:a16="http://schemas.microsoft.com/office/drawing/2014/main" id="{C820B1CE-1074-44C3-81AF-B93E081EDCAB}"/>
               </a:ext>
             </a:extLst>
           </p:cNvPr>
@@ -33056,7 +33080,7 @@
           <p:cNvPr id="8" name="Rectangle 7">
             <a:extLst>
               <a:ext uri="{FF2B5EF4-FFF2-40B4-BE49-F238E27FC236}">
-                <a16:creationId xmlns:a16="http://schemas.microsoft.com/office/drawing/2014/main" xmlns="" id="{C820B1CE-1074-44C3-81AF-B93E081EDCAB}"/>
+                <a16:creationId xmlns="" xmlns:a16="http://schemas.microsoft.com/office/drawing/2014/main" id="{C820B1CE-1074-44C3-81AF-B93E081EDCAB}"/>
               </a:ext>
             </a:extLst>
           </p:cNvPr>
@@ -33415,7 +33439,7 @@
           <p:cNvPr id="12" name="Rectangle 11">
             <a:extLst>
               <a:ext uri="{FF2B5EF4-FFF2-40B4-BE49-F238E27FC236}">
-                <a16:creationId xmlns:a16="http://schemas.microsoft.com/office/drawing/2014/main" xmlns="" id="{C820B1CE-1074-44C3-81AF-B93E081EDCAB}"/>
+                <a16:creationId xmlns="" xmlns:a16="http://schemas.microsoft.com/office/drawing/2014/main" id="{C820B1CE-1074-44C3-81AF-B93E081EDCAB}"/>
               </a:ext>
             </a:extLst>
           </p:cNvPr>
@@ -33489,7 +33513,7 @@
           <p:cNvPr id="14" name="Straight Arrow Connector 13">
             <a:extLst>
               <a:ext uri="{FF2B5EF4-FFF2-40B4-BE49-F238E27FC236}">
-                <a16:creationId xmlns="" xmlns:a16="http://schemas.microsoft.com/office/drawing/2014/main" xmlns:lc="http://schemas.openxmlformats.org/drawingml/2006/lockedCanvas" id="{8EFAA25A-D8D6-420E-B8D9-6181A6D61CA3}"/>
+                <a16:creationId xmlns:lc="http://schemas.openxmlformats.org/drawingml/2006/lockedCanvas" xmlns:a16="http://schemas.microsoft.com/office/drawing/2014/main" xmlns="" id="{8EFAA25A-D8D6-420E-B8D9-6181A6D61CA3}"/>
               </a:ext>
             </a:extLst>
           </p:cNvPr>

--- a/Presentations/Logistics/KNITS-SupplyChainIntroduction.pptx
+++ b/Presentations/Logistics/KNITS-SupplyChainIntroduction.pptx
@@ -33,44 +33,44 @@
   <p:notesSz cx="6858000" cy="9144000"/>
   <p:embeddedFontLst>
     <p:embeddedFont>
-      <p:font typeface="Raleway SemiBold" charset="0"/>
+      <p:font typeface="Barlow Light" panose="020B0604020202020204" charset="0"/>
       <p:regular r:id="rId23"/>
       <p:bold r:id="rId24"/>
       <p:italic r:id="rId25"/>
       <p:boldItalic r:id="rId26"/>
     </p:embeddedFont>
     <p:embeddedFont>
-      <p:font typeface="맑은 고딕" pitchFamily="34" charset="-127"/>
+      <p:font typeface="Raleway" panose="020B0604020202020204" charset="0"/>
       <p:regular r:id="rId27"/>
       <p:bold r:id="rId28"/>
+      <p:italic r:id="rId29"/>
+      <p:boldItalic r:id="rId30"/>
     </p:embeddedFont>
     <p:embeddedFont>
-      <p:font typeface="Raleway" charset="0"/>
-      <p:regular r:id="rId29"/>
-      <p:bold r:id="rId30"/>
-      <p:italic r:id="rId31"/>
-      <p:boldItalic r:id="rId32"/>
+      <p:font typeface="Raleway SemiBold" panose="020B0604020202020204" charset="0"/>
+      <p:regular r:id="rId31"/>
+      <p:bold r:id="rId32"/>
+      <p:italic r:id="rId33"/>
+      <p:boldItalic r:id="rId34"/>
     </p:embeddedFont>
     <p:embeddedFont>
-      <p:font typeface="Barlow Light" charset="0"/>
-      <p:regular r:id="rId33"/>
-      <p:bold r:id="rId34"/>
-      <p:italic r:id="rId35"/>
-      <p:boldItalic r:id="rId36"/>
+      <p:font typeface="Barlow" panose="020B0604020202020204" charset="0"/>
+      <p:regular r:id="rId35"/>
+      <p:bold r:id="rId36"/>
+      <p:italic r:id="rId37"/>
+      <p:boldItalic r:id="rId38"/>
     </p:embeddedFont>
     <p:embeddedFont>
-      <p:font typeface="Calibri" pitchFamily="34" charset="0"/>
-      <p:regular r:id="rId37"/>
-      <p:bold r:id="rId38"/>
-      <p:italic r:id="rId39"/>
-      <p:boldItalic r:id="rId40"/>
+      <p:font typeface="Calibri" panose="020F0502020204030204" pitchFamily="34" charset="0"/>
+      <p:regular r:id="rId39"/>
+      <p:bold r:id="rId40"/>
+      <p:italic r:id="rId41"/>
+      <p:boldItalic r:id="rId42"/>
     </p:embeddedFont>
     <p:embeddedFont>
-      <p:font typeface="Barlow" charset="0"/>
-      <p:regular r:id="rId41"/>
-      <p:bold r:id="rId42"/>
-      <p:italic r:id="rId43"/>
-      <p:boldItalic r:id="rId44"/>
+      <p:font typeface="맑은 고딕" panose="020B0503020000020004" pitchFamily="34" charset="-127"/>
+      <p:regular r:id="rId43"/>
+      <p:bold r:id="rId44"/>
     </p:embeddedFont>
   </p:embeddedFontLst>
   <p:defaultTextStyle>
@@ -302,6 +302,22 @@
       </a:defRPr>
     </a:lvl9pPr>
   </p:defaultTextStyle>
+  <p:extLst>
+    <p:ext uri="{EFAFB233-063F-42B5-8137-9DF3F51BA10A}">
+      <p15:sldGuideLst xmlns:p15="http://schemas.microsoft.com/office/powerpoint/2012/main">
+        <p15:guide id="1" orient="horz" pos="1620">
+          <p15:clr>
+            <a:srgbClr val="A4A3A4"/>
+          </p15:clr>
+        </p15:guide>
+        <p15:guide id="2" pos="2880">
+          <p15:clr>
+            <a:srgbClr val="A4A3A4"/>
+          </p15:clr>
+        </p15:guide>
+      </p15:sldGuideLst>
+    </p:ext>
+  </p:extLst>
 </p:presentation>
 </file>
 
@@ -10663,9 +10679,27 @@
                 <a:tableStyleId>{CA79B213-A7B1-4D54-87E7-7F15D3F6DC19}</a:tableStyleId>
               </a:tblPr>
               <a:tblGrid>
-                <a:gridCol w="1569231"/>
-                <a:gridCol w="2535677"/>
-                <a:gridCol w="3383923"/>
+                <a:gridCol w="1569231">
+                  <a:extLst>
+                    <a:ext uri="{9D8B030D-6E8A-4147-A177-3AD203B41FA5}">
+                      <a16:colId xmlns:a16="http://schemas.microsoft.com/office/drawing/2014/main" val="20000"/>
+                    </a:ext>
+                  </a:extLst>
+                </a:gridCol>
+                <a:gridCol w="2535677">
+                  <a:extLst>
+                    <a:ext uri="{9D8B030D-6E8A-4147-A177-3AD203B41FA5}">
+                      <a16:colId xmlns:a16="http://schemas.microsoft.com/office/drawing/2014/main" val="20001"/>
+                    </a:ext>
+                  </a:extLst>
+                </a:gridCol>
+                <a:gridCol w="3383923">
+                  <a:extLst>
+                    <a:ext uri="{9D8B030D-6E8A-4147-A177-3AD203B41FA5}">
+                      <a16:colId xmlns:a16="http://schemas.microsoft.com/office/drawing/2014/main" val="20002"/>
+                    </a:ext>
+                  </a:extLst>
+                </a:gridCol>
               </a:tblGrid>
               <a:tr h="360040">
                 <a:tc>
@@ -10884,6 +10918,11 @@
                     </a:lnB>
                   </a:tcPr>
                 </a:tc>
+                <a:extLst>
+                  <a:ext uri="{0D108BD9-81ED-4DB2-BD59-A6C34878D82A}">
+                    <a16:rowId xmlns:a16="http://schemas.microsoft.com/office/drawing/2014/main" val="10000"/>
+                  </a:ext>
+                </a:extLst>
               </a:tr>
               <a:tr h="599268">
                 <a:tc>
@@ -11068,19 +11107,7 @@
                           <a:cs typeface="Barlow"/>
                           <a:sym typeface="Barlow"/>
                         </a:rPr>
-                        <a:t>production </a:t>
-                      </a:r>
-                      <a:r>
-                        <a:rPr lang="et-EE" b="0" baseline="0" dirty="0" smtClean="0">
-                          <a:solidFill>
-                            <a:schemeClr val="dk1"/>
-                          </a:solidFill>
-                          <a:latin typeface="Barlow"/>
-                          <a:ea typeface="Barlow"/>
-                          <a:cs typeface="Barlow"/>
-                          <a:sym typeface="Barlow"/>
-                        </a:rPr>
-                        <a:t>plants</a:t>
+                        <a:t>production plants</a:t>
                       </a:r>
                       <a:endParaRPr b="1" dirty="0">
                         <a:solidFill>
@@ -11278,6 +11305,11 @@
                     </a:lnB>
                   </a:tcPr>
                 </a:tc>
+                <a:extLst>
+                  <a:ext uri="{0D108BD9-81ED-4DB2-BD59-A6C34878D82A}">
+                    <a16:rowId xmlns:a16="http://schemas.microsoft.com/office/drawing/2014/main" val="10001"/>
+                  </a:ext>
+                </a:extLst>
               </a:tr>
               <a:tr h="720080">
                 <a:tc>
@@ -11606,6 +11638,11 @@
                     </a:lnB>
                   </a:tcPr>
                 </a:tc>
+                <a:extLst>
+                  <a:ext uri="{0D108BD9-81ED-4DB2-BD59-A6C34878D82A}">
+                    <a16:rowId xmlns:a16="http://schemas.microsoft.com/office/drawing/2014/main" val="10002"/>
+                  </a:ext>
+                </a:extLst>
               </a:tr>
               <a:tr h="813298">
                 <a:tc>
@@ -11922,6 +11959,11 @@
                     </a:lnB>
                   </a:tcPr>
                 </a:tc>
+                <a:extLst>
+                  <a:ext uri="{0D108BD9-81ED-4DB2-BD59-A6C34878D82A}">
+                    <a16:rowId xmlns:a16="http://schemas.microsoft.com/office/drawing/2014/main" val="10003"/>
+                  </a:ext>
+                </a:extLst>
               </a:tr>
               <a:tr h="813298">
                 <a:tc>
@@ -12268,6 +12310,11 @@
                     </a:lnB>
                   </a:tcPr>
                 </a:tc>
+                <a:extLst>
+                  <a:ext uri="{0D108BD9-81ED-4DB2-BD59-A6C34878D82A}">
+                    <a16:rowId xmlns:a16="http://schemas.microsoft.com/office/drawing/2014/main" val="10004"/>
+                  </a:ext>
+                </a:extLst>
               </a:tr>
               <a:tr h="813298">
                 <a:tc>
@@ -12553,6 +12600,11 @@
                     </a:lnB>
                   </a:tcPr>
                 </a:tc>
+                <a:extLst>
+                  <a:ext uri="{0D108BD9-81ED-4DB2-BD59-A6C34878D82A}">
+                    <a16:rowId xmlns:a16="http://schemas.microsoft.com/office/drawing/2014/main" val="10005"/>
+                  </a:ext>
+                </a:extLst>
               </a:tr>
             </a:tbl>
           </a:graphicData>
@@ -12610,6 +12662,13 @@
   <p:clrMapOvr>
     <a:masterClrMapping/>
   </p:clrMapOvr>
+  <p:timing>
+    <p:tnLst>
+      <p:par>
+        <p:cTn id="1" dur="indefinite" restart="never" nodeType="tmRoot"/>
+      </p:par>
+    </p:tnLst>
+  </p:timing>
 </p:sld>
 </file>
 
@@ -13419,7 +13478,7 @@
           <p:cNvPr id="51" name="Rectangle 50">
             <a:extLst>
               <a:ext uri="{FF2B5EF4-FFF2-40B4-BE49-F238E27FC236}">
-                <a16:creationId xmlns="" xmlns:a16="http://schemas.microsoft.com/office/drawing/2014/main" id="{C820B1CE-1074-44C3-81AF-B93E081EDCAB}"/>
+                <a16:creationId xmlns:a16="http://schemas.microsoft.com/office/drawing/2014/main" id="{C820B1CE-1074-44C3-81AF-B93E081EDCAB}"/>
               </a:ext>
             </a:extLst>
           </p:cNvPr>
@@ -13493,7 +13552,7 @@
           <p:cNvPr id="54" name="Rectangle 53">
             <a:extLst>
               <a:ext uri="{FF2B5EF4-FFF2-40B4-BE49-F238E27FC236}">
-                <a16:creationId xmlns="" xmlns:a16="http://schemas.microsoft.com/office/drawing/2014/main" id="{C820B1CE-1074-44C3-81AF-B93E081EDCAB}"/>
+                <a16:creationId xmlns:a16="http://schemas.microsoft.com/office/drawing/2014/main" id="{C820B1CE-1074-44C3-81AF-B93E081EDCAB}"/>
               </a:ext>
             </a:extLst>
           </p:cNvPr>
@@ -13567,7 +13626,7 @@
           <p:cNvPr id="55" name="Rectangle 54">
             <a:extLst>
               <a:ext uri="{FF2B5EF4-FFF2-40B4-BE49-F238E27FC236}">
-                <a16:creationId xmlns="" xmlns:a16="http://schemas.microsoft.com/office/drawing/2014/main" id="{C820B1CE-1074-44C3-81AF-B93E081EDCAB}"/>
+                <a16:creationId xmlns:a16="http://schemas.microsoft.com/office/drawing/2014/main" id="{C820B1CE-1074-44C3-81AF-B93E081EDCAB}"/>
               </a:ext>
             </a:extLst>
           </p:cNvPr>
@@ -13641,7 +13700,7 @@
           <p:cNvPr id="56" name="Rectangle 55">
             <a:extLst>
               <a:ext uri="{FF2B5EF4-FFF2-40B4-BE49-F238E27FC236}">
-                <a16:creationId xmlns="" xmlns:a16="http://schemas.microsoft.com/office/drawing/2014/main" id="{C820B1CE-1074-44C3-81AF-B93E081EDCAB}"/>
+                <a16:creationId xmlns:a16="http://schemas.microsoft.com/office/drawing/2014/main" id="{C820B1CE-1074-44C3-81AF-B93E081EDCAB}"/>
               </a:ext>
             </a:extLst>
           </p:cNvPr>
@@ -13715,7 +13774,7 @@
           <p:cNvPr id="58" name="Rectangle 57">
             <a:extLst>
               <a:ext uri="{FF2B5EF4-FFF2-40B4-BE49-F238E27FC236}">
-                <a16:creationId xmlns="" xmlns:a16="http://schemas.microsoft.com/office/drawing/2014/main" id="{C820B1CE-1074-44C3-81AF-B93E081EDCAB}"/>
+                <a16:creationId xmlns:a16="http://schemas.microsoft.com/office/drawing/2014/main" id="{C820B1CE-1074-44C3-81AF-B93E081EDCAB}"/>
               </a:ext>
             </a:extLst>
           </p:cNvPr>
@@ -13789,7 +13848,7 @@
           <p:cNvPr id="61" name="Rectangle 60">
             <a:extLst>
               <a:ext uri="{FF2B5EF4-FFF2-40B4-BE49-F238E27FC236}">
-                <a16:creationId xmlns="" xmlns:a16="http://schemas.microsoft.com/office/drawing/2014/main" id="{C820B1CE-1074-44C3-81AF-B93E081EDCAB}"/>
+                <a16:creationId xmlns:a16="http://schemas.microsoft.com/office/drawing/2014/main" id="{C820B1CE-1074-44C3-81AF-B93E081EDCAB}"/>
               </a:ext>
             </a:extLst>
           </p:cNvPr>
@@ -13863,7 +13922,7 @@
           <p:cNvPr id="62" name="Rectangle 61">
             <a:extLst>
               <a:ext uri="{FF2B5EF4-FFF2-40B4-BE49-F238E27FC236}">
-                <a16:creationId xmlns="" xmlns:a16="http://schemas.microsoft.com/office/drawing/2014/main" id="{C820B1CE-1074-44C3-81AF-B93E081EDCAB}"/>
+                <a16:creationId xmlns:a16="http://schemas.microsoft.com/office/drawing/2014/main" id="{C820B1CE-1074-44C3-81AF-B93E081EDCAB}"/>
               </a:ext>
             </a:extLst>
           </p:cNvPr>
@@ -13937,7 +13996,7 @@
           <p:cNvPr id="63" name="Rectangle 62">
             <a:extLst>
               <a:ext uri="{FF2B5EF4-FFF2-40B4-BE49-F238E27FC236}">
-                <a16:creationId xmlns="" xmlns:a16="http://schemas.microsoft.com/office/drawing/2014/main" id="{C820B1CE-1074-44C3-81AF-B93E081EDCAB}"/>
+                <a16:creationId xmlns:a16="http://schemas.microsoft.com/office/drawing/2014/main" id="{C820B1CE-1074-44C3-81AF-B93E081EDCAB}"/>
               </a:ext>
             </a:extLst>
           </p:cNvPr>
@@ -14011,7 +14070,7 @@
           <p:cNvPr id="64" name="Straight Arrow Connector 63">
             <a:extLst>
               <a:ext uri="{FF2B5EF4-FFF2-40B4-BE49-F238E27FC236}">
-                <a16:creationId xmlns:lc="http://schemas.openxmlformats.org/drawingml/2006/lockedCanvas" xmlns:a16="http://schemas.microsoft.com/office/drawing/2014/main" xmlns="" id="{8EFAA25A-D8D6-420E-B8D9-6181A6D61CA3}"/>
+                <a16:creationId xmlns:a16="http://schemas.microsoft.com/office/drawing/2014/main" id="{8EFAA25A-D8D6-420E-B8D9-6181A6D61CA3}"/>
               </a:ext>
             </a:extLst>
           </p:cNvPr>
@@ -14056,7 +14115,7 @@
           <p:cNvPr id="67" name="Straight Arrow Connector 66">
             <a:extLst>
               <a:ext uri="{FF2B5EF4-FFF2-40B4-BE49-F238E27FC236}">
-                <a16:creationId xmlns:lc="http://schemas.openxmlformats.org/drawingml/2006/lockedCanvas" xmlns:a16="http://schemas.microsoft.com/office/drawing/2014/main" xmlns="" id="{8EFAA25A-D8D6-420E-B8D9-6181A6D61CA3}"/>
+                <a16:creationId xmlns:a16="http://schemas.microsoft.com/office/drawing/2014/main" id="{8EFAA25A-D8D6-420E-B8D9-6181A6D61CA3}"/>
               </a:ext>
             </a:extLst>
           </p:cNvPr>
@@ -14101,7 +14160,7 @@
           <p:cNvPr id="68" name="Straight Arrow Connector 67">
             <a:extLst>
               <a:ext uri="{FF2B5EF4-FFF2-40B4-BE49-F238E27FC236}">
-                <a16:creationId xmlns:lc="http://schemas.openxmlformats.org/drawingml/2006/lockedCanvas" xmlns:a16="http://schemas.microsoft.com/office/drawing/2014/main" xmlns="" id="{8EFAA25A-D8D6-420E-B8D9-6181A6D61CA3}"/>
+                <a16:creationId xmlns:a16="http://schemas.microsoft.com/office/drawing/2014/main" id="{8EFAA25A-D8D6-420E-B8D9-6181A6D61CA3}"/>
               </a:ext>
             </a:extLst>
           </p:cNvPr>
@@ -18978,7 +19037,7 @@
           <p:cNvPr id="143" name="Rectangle 142">
             <a:extLst>
               <a:ext uri="{FF2B5EF4-FFF2-40B4-BE49-F238E27FC236}">
-                <a16:creationId xmlns="" xmlns:a16="http://schemas.microsoft.com/office/drawing/2014/main" id="{C820B1CE-1074-44C3-81AF-B93E081EDCAB}"/>
+                <a16:creationId xmlns:a16="http://schemas.microsoft.com/office/drawing/2014/main" id="{C820B1CE-1074-44C3-81AF-B93E081EDCAB}"/>
               </a:ext>
             </a:extLst>
           </p:cNvPr>
@@ -21489,7 +21548,7 @@
           <p:cNvPr id="215" name="Rectangle 214">
             <a:extLst>
               <a:ext uri="{FF2B5EF4-FFF2-40B4-BE49-F238E27FC236}">
-                <a16:creationId xmlns="" xmlns:a16="http://schemas.microsoft.com/office/drawing/2014/main" id="{C820B1CE-1074-44C3-81AF-B93E081EDCAB}"/>
+                <a16:creationId xmlns:a16="http://schemas.microsoft.com/office/drawing/2014/main" id="{C820B1CE-1074-44C3-81AF-B93E081EDCAB}"/>
               </a:ext>
             </a:extLst>
           </p:cNvPr>
@@ -21550,7 +21609,7 @@
           <p:cNvPr id="217" name="Elbow Connector 61">
             <a:extLst>
               <a:ext uri="{FF2B5EF4-FFF2-40B4-BE49-F238E27FC236}">
-                <a16:creationId xmlns="" xmlns:a16="http://schemas.microsoft.com/office/drawing/2014/main" id="{AF83B36C-BD7B-44EB-9858-7C09B3F72809}"/>
+                <a16:creationId xmlns:a16="http://schemas.microsoft.com/office/drawing/2014/main" id="{AF83B36C-BD7B-44EB-9858-7C09B3F72809}"/>
               </a:ext>
             </a:extLst>
           </p:cNvPr>
@@ -21597,7 +21656,7 @@
           <p:cNvPr id="218" name="Elbow Connector 61">
             <a:extLst>
               <a:ext uri="{FF2B5EF4-FFF2-40B4-BE49-F238E27FC236}">
-                <a16:creationId xmlns="" xmlns:a16="http://schemas.microsoft.com/office/drawing/2014/main" id="{AF83B36C-BD7B-44EB-9858-7C09B3F72809}"/>
+                <a16:creationId xmlns:a16="http://schemas.microsoft.com/office/drawing/2014/main" id="{AF83B36C-BD7B-44EB-9858-7C09B3F72809}"/>
               </a:ext>
             </a:extLst>
           </p:cNvPr>
@@ -21644,7 +21703,7 @@
           <p:cNvPr id="271" name="Straight Arrow Connector 270">
             <a:extLst>
               <a:ext uri="{FF2B5EF4-FFF2-40B4-BE49-F238E27FC236}">
-                <a16:creationId xmlns:lc="http://schemas.openxmlformats.org/drawingml/2006/lockedCanvas" xmlns:a16="http://schemas.microsoft.com/office/drawing/2014/main" xmlns="" id="{8EFAA25A-D8D6-420E-B8D9-6181A6D61CA3}"/>
+                <a16:creationId xmlns:a16="http://schemas.microsoft.com/office/drawing/2014/main" id="{8EFAA25A-D8D6-420E-B8D9-6181A6D61CA3}"/>
               </a:ext>
             </a:extLst>
           </p:cNvPr>
@@ -21689,7 +21748,7 @@
           <p:cNvPr id="275" name="Straight Arrow Connector 274">
             <a:extLst>
               <a:ext uri="{FF2B5EF4-FFF2-40B4-BE49-F238E27FC236}">
-                <a16:creationId xmlns:lc="http://schemas.openxmlformats.org/drawingml/2006/lockedCanvas" xmlns:a16="http://schemas.microsoft.com/office/drawing/2014/main" xmlns="" id="{8EFAA25A-D8D6-420E-B8D9-6181A6D61CA3}"/>
+                <a16:creationId xmlns:a16="http://schemas.microsoft.com/office/drawing/2014/main" id="{8EFAA25A-D8D6-420E-B8D9-6181A6D61CA3}"/>
               </a:ext>
             </a:extLst>
           </p:cNvPr>
@@ -21793,7 +21852,7 @@
           <p:cNvPr id="279" name="Straight Arrow Connector 278">
             <a:extLst>
               <a:ext uri="{FF2B5EF4-FFF2-40B4-BE49-F238E27FC236}">
-                <a16:creationId xmlns:lc="http://schemas.openxmlformats.org/drawingml/2006/lockedCanvas" xmlns:a16="http://schemas.microsoft.com/office/drawing/2014/main" xmlns="" id="{8EFAA25A-D8D6-420E-B8D9-6181A6D61CA3}"/>
+                <a16:creationId xmlns:a16="http://schemas.microsoft.com/office/drawing/2014/main" id="{8EFAA25A-D8D6-420E-B8D9-6181A6D61CA3}"/>
               </a:ext>
             </a:extLst>
           </p:cNvPr>
@@ -21838,7 +21897,7 @@
           <p:cNvPr id="280" name="Straight Arrow Connector 279">
             <a:extLst>
               <a:ext uri="{FF2B5EF4-FFF2-40B4-BE49-F238E27FC236}">
-                <a16:creationId xmlns:lc="http://schemas.openxmlformats.org/drawingml/2006/lockedCanvas" xmlns:a16="http://schemas.microsoft.com/office/drawing/2014/main" xmlns="" id="{8EFAA25A-D8D6-420E-B8D9-6181A6D61CA3}"/>
+                <a16:creationId xmlns:a16="http://schemas.microsoft.com/office/drawing/2014/main" id="{8EFAA25A-D8D6-420E-B8D9-6181A6D61CA3}"/>
               </a:ext>
             </a:extLst>
           </p:cNvPr>
@@ -24462,7 +24521,7 @@
           <p:cNvPr id="156" name="Straight Arrow Connector 155">
             <a:extLst>
               <a:ext uri="{FF2B5EF4-FFF2-40B4-BE49-F238E27FC236}">
-                <a16:creationId xmlns:lc="http://schemas.openxmlformats.org/drawingml/2006/lockedCanvas" xmlns:a16="http://schemas.microsoft.com/office/drawing/2014/main" xmlns="" id="{8EFAA25A-D8D6-420E-B8D9-6181A6D61CA3}"/>
+                <a16:creationId xmlns:a16="http://schemas.microsoft.com/office/drawing/2014/main" id="{8EFAA25A-D8D6-420E-B8D9-6181A6D61CA3}"/>
               </a:ext>
             </a:extLst>
           </p:cNvPr>
@@ -24507,7 +24566,7 @@
           <p:cNvPr id="158" name="Straight Arrow Connector 157">
             <a:extLst>
               <a:ext uri="{FF2B5EF4-FFF2-40B4-BE49-F238E27FC236}">
-                <a16:creationId xmlns:lc="http://schemas.openxmlformats.org/drawingml/2006/lockedCanvas" xmlns:a16="http://schemas.microsoft.com/office/drawing/2014/main" xmlns="" id="{8EFAA25A-D8D6-420E-B8D9-6181A6D61CA3}"/>
+                <a16:creationId xmlns:a16="http://schemas.microsoft.com/office/drawing/2014/main" id="{8EFAA25A-D8D6-420E-B8D9-6181A6D61CA3}"/>
               </a:ext>
             </a:extLst>
           </p:cNvPr>
@@ -24552,7 +24611,7 @@
           <p:cNvPr id="160" name="Straight Arrow Connector 159">
             <a:extLst>
               <a:ext uri="{FF2B5EF4-FFF2-40B4-BE49-F238E27FC236}">
-                <a16:creationId xmlns:lc="http://schemas.openxmlformats.org/drawingml/2006/lockedCanvas" xmlns:a16="http://schemas.microsoft.com/office/drawing/2014/main" xmlns="" id="{8EFAA25A-D8D6-420E-B8D9-6181A6D61CA3}"/>
+                <a16:creationId xmlns:a16="http://schemas.microsoft.com/office/drawing/2014/main" id="{8EFAA25A-D8D6-420E-B8D9-6181A6D61CA3}"/>
               </a:ext>
             </a:extLst>
           </p:cNvPr>
@@ -24597,7 +24656,7 @@
           <p:cNvPr id="166" name="Straight Arrow Connector 165">
             <a:extLst>
               <a:ext uri="{FF2B5EF4-FFF2-40B4-BE49-F238E27FC236}">
-                <a16:creationId xmlns:lc="http://schemas.openxmlformats.org/drawingml/2006/lockedCanvas" xmlns:a16="http://schemas.microsoft.com/office/drawing/2014/main" xmlns="" id="{8EFAA25A-D8D6-420E-B8D9-6181A6D61CA3}"/>
+                <a16:creationId xmlns:a16="http://schemas.microsoft.com/office/drawing/2014/main" id="{8EFAA25A-D8D6-420E-B8D9-6181A6D61CA3}"/>
               </a:ext>
             </a:extLst>
           </p:cNvPr>
@@ -24642,7 +24701,7 @@
           <p:cNvPr id="169" name="Straight Arrow Connector 168">
             <a:extLst>
               <a:ext uri="{FF2B5EF4-FFF2-40B4-BE49-F238E27FC236}">
-                <a16:creationId xmlns:lc="http://schemas.openxmlformats.org/drawingml/2006/lockedCanvas" xmlns:a16="http://schemas.microsoft.com/office/drawing/2014/main" xmlns="" id="{8EFAA25A-D8D6-420E-B8D9-6181A6D61CA3}"/>
+                <a16:creationId xmlns:a16="http://schemas.microsoft.com/office/drawing/2014/main" id="{8EFAA25A-D8D6-420E-B8D9-6181A6D61CA3}"/>
               </a:ext>
             </a:extLst>
           </p:cNvPr>
@@ -24687,7 +24746,7 @@
           <p:cNvPr id="176" name="Straight Arrow Connector 175">
             <a:extLst>
               <a:ext uri="{FF2B5EF4-FFF2-40B4-BE49-F238E27FC236}">
-                <a16:creationId xmlns:lc="http://schemas.openxmlformats.org/drawingml/2006/lockedCanvas" xmlns:a16="http://schemas.microsoft.com/office/drawing/2014/main" xmlns="" id="{8EFAA25A-D8D6-420E-B8D9-6181A6D61CA3}"/>
+                <a16:creationId xmlns:a16="http://schemas.microsoft.com/office/drawing/2014/main" id="{8EFAA25A-D8D6-420E-B8D9-6181A6D61CA3}"/>
               </a:ext>
             </a:extLst>
           </p:cNvPr>
@@ -24732,7 +24791,7 @@
           <p:cNvPr id="180" name="Straight Arrow Connector 179">
             <a:extLst>
               <a:ext uri="{FF2B5EF4-FFF2-40B4-BE49-F238E27FC236}">
-                <a16:creationId xmlns:lc="http://schemas.openxmlformats.org/drawingml/2006/lockedCanvas" xmlns:a16="http://schemas.microsoft.com/office/drawing/2014/main" xmlns="" id="{8EFAA25A-D8D6-420E-B8D9-6181A6D61CA3}"/>
+                <a16:creationId xmlns:a16="http://schemas.microsoft.com/office/drawing/2014/main" id="{8EFAA25A-D8D6-420E-B8D9-6181A6D61CA3}"/>
               </a:ext>
             </a:extLst>
           </p:cNvPr>
@@ -24777,7 +24836,7 @@
           <p:cNvPr id="184" name="Straight Arrow Connector 183">
             <a:extLst>
               <a:ext uri="{FF2B5EF4-FFF2-40B4-BE49-F238E27FC236}">
-                <a16:creationId xmlns:lc="http://schemas.openxmlformats.org/drawingml/2006/lockedCanvas" xmlns:a16="http://schemas.microsoft.com/office/drawing/2014/main" xmlns="" id="{8EFAA25A-D8D6-420E-B8D9-6181A6D61CA3}"/>
+                <a16:creationId xmlns:a16="http://schemas.microsoft.com/office/drawing/2014/main" id="{8EFAA25A-D8D6-420E-B8D9-6181A6D61CA3}"/>
               </a:ext>
             </a:extLst>
           </p:cNvPr>
@@ -24822,7 +24881,7 @@
           <p:cNvPr id="191" name="Straight Arrow Connector 190">
             <a:extLst>
               <a:ext uri="{FF2B5EF4-FFF2-40B4-BE49-F238E27FC236}">
-                <a16:creationId xmlns:lc="http://schemas.openxmlformats.org/drawingml/2006/lockedCanvas" xmlns:a16="http://schemas.microsoft.com/office/drawing/2014/main" xmlns="" id="{8EFAA25A-D8D6-420E-B8D9-6181A6D61CA3}"/>
+                <a16:creationId xmlns:a16="http://schemas.microsoft.com/office/drawing/2014/main" id="{8EFAA25A-D8D6-420E-B8D9-6181A6D61CA3}"/>
               </a:ext>
             </a:extLst>
           </p:cNvPr>
@@ -24867,7 +24926,7 @@
           <p:cNvPr id="196" name="Straight Arrow Connector 195">
             <a:extLst>
               <a:ext uri="{FF2B5EF4-FFF2-40B4-BE49-F238E27FC236}">
-                <a16:creationId xmlns:lc="http://schemas.openxmlformats.org/drawingml/2006/lockedCanvas" xmlns:a16="http://schemas.microsoft.com/office/drawing/2014/main" xmlns="" id="{8EFAA25A-D8D6-420E-B8D9-6181A6D61CA3}"/>
+                <a16:creationId xmlns:a16="http://schemas.microsoft.com/office/drawing/2014/main" id="{8EFAA25A-D8D6-420E-B8D9-6181A6D61CA3}"/>
               </a:ext>
             </a:extLst>
           </p:cNvPr>
@@ -24912,7 +24971,7 @@
           <p:cNvPr id="199" name="Straight Arrow Connector 198">
             <a:extLst>
               <a:ext uri="{FF2B5EF4-FFF2-40B4-BE49-F238E27FC236}">
-                <a16:creationId xmlns:lc="http://schemas.openxmlformats.org/drawingml/2006/lockedCanvas" xmlns:a16="http://schemas.microsoft.com/office/drawing/2014/main" xmlns="" id="{8EFAA25A-D8D6-420E-B8D9-6181A6D61CA3}"/>
+                <a16:creationId xmlns:a16="http://schemas.microsoft.com/office/drawing/2014/main" id="{8EFAA25A-D8D6-420E-B8D9-6181A6D61CA3}"/>
               </a:ext>
             </a:extLst>
           </p:cNvPr>
@@ -24957,7 +25016,7 @@
           <p:cNvPr id="204" name="Straight Arrow Connector 203">
             <a:extLst>
               <a:ext uri="{FF2B5EF4-FFF2-40B4-BE49-F238E27FC236}">
-                <a16:creationId xmlns:lc="http://schemas.openxmlformats.org/drawingml/2006/lockedCanvas" xmlns:a16="http://schemas.microsoft.com/office/drawing/2014/main" xmlns="" id="{8EFAA25A-D8D6-420E-B8D9-6181A6D61CA3}"/>
+                <a16:creationId xmlns:a16="http://schemas.microsoft.com/office/drawing/2014/main" id="{8EFAA25A-D8D6-420E-B8D9-6181A6D61CA3}"/>
               </a:ext>
             </a:extLst>
           </p:cNvPr>
@@ -25002,7 +25061,7 @@
           <p:cNvPr id="208" name="Straight Arrow Connector 207">
             <a:extLst>
               <a:ext uri="{FF2B5EF4-FFF2-40B4-BE49-F238E27FC236}">
-                <a16:creationId xmlns:lc="http://schemas.openxmlformats.org/drawingml/2006/lockedCanvas" xmlns:a16="http://schemas.microsoft.com/office/drawing/2014/main" xmlns="" id="{8EFAA25A-D8D6-420E-B8D9-6181A6D61CA3}"/>
+                <a16:creationId xmlns:a16="http://schemas.microsoft.com/office/drawing/2014/main" id="{8EFAA25A-D8D6-420E-B8D9-6181A6D61CA3}"/>
               </a:ext>
             </a:extLst>
           </p:cNvPr>
@@ -25047,7 +25106,7 @@
           <p:cNvPr id="211" name="Straight Arrow Connector 210">
             <a:extLst>
               <a:ext uri="{FF2B5EF4-FFF2-40B4-BE49-F238E27FC236}">
-                <a16:creationId xmlns:lc="http://schemas.openxmlformats.org/drawingml/2006/lockedCanvas" xmlns:a16="http://schemas.microsoft.com/office/drawing/2014/main" xmlns="" id="{8EFAA25A-D8D6-420E-B8D9-6181A6D61CA3}"/>
+                <a16:creationId xmlns:a16="http://schemas.microsoft.com/office/drawing/2014/main" id="{8EFAA25A-D8D6-420E-B8D9-6181A6D61CA3}"/>
               </a:ext>
             </a:extLst>
           </p:cNvPr>
@@ -25284,7 +25343,7 @@
           <p:cNvPr id="226" name="Straight Arrow Connector 225">
             <a:extLst>
               <a:ext uri="{FF2B5EF4-FFF2-40B4-BE49-F238E27FC236}">
-                <a16:creationId xmlns:lc="http://schemas.openxmlformats.org/drawingml/2006/lockedCanvas" xmlns:a16="http://schemas.microsoft.com/office/drawing/2014/main" xmlns="" id="{8EFAA25A-D8D6-420E-B8D9-6181A6D61CA3}"/>
+                <a16:creationId xmlns:a16="http://schemas.microsoft.com/office/drawing/2014/main" id="{8EFAA25A-D8D6-420E-B8D9-6181A6D61CA3}"/>
               </a:ext>
             </a:extLst>
           </p:cNvPr>
@@ -25329,7 +25388,7 @@
           <p:cNvPr id="229" name="Straight Arrow Connector 228">
             <a:extLst>
               <a:ext uri="{FF2B5EF4-FFF2-40B4-BE49-F238E27FC236}">
-                <a16:creationId xmlns:lc="http://schemas.openxmlformats.org/drawingml/2006/lockedCanvas" xmlns:a16="http://schemas.microsoft.com/office/drawing/2014/main" xmlns="" id="{8EFAA25A-D8D6-420E-B8D9-6181A6D61CA3}"/>
+                <a16:creationId xmlns:a16="http://schemas.microsoft.com/office/drawing/2014/main" id="{8EFAA25A-D8D6-420E-B8D9-6181A6D61CA3}"/>
               </a:ext>
             </a:extLst>
           </p:cNvPr>
@@ -25374,7 +25433,7 @@
           <p:cNvPr id="232" name="Straight Arrow Connector 231">
             <a:extLst>
               <a:ext uri="{FF2B5EF4-FFF2-40B4-BE49-F238E27FC236}">
-                <a16:creationId xmlns:lc="http://schemas.openxmlformats.org/drawingml/2006/lockedCanvas" xmlns:a16="http://schemas.microsoft.com/office/drawing/2014/main" xmlns="" id="{8EFAA25A-D8D6-420E-B8D9-6181A6D61CA3}"/>
+                <a16:creationId xmlns:a16="http://schemas.microsoft.com/office/drawing/2014/main" id="{8EFAA25A-D8D6-420E-B8D9-6181A6D61CA3}"/>
               </a:ext>
             </a:extLst>
           </p:cNvPr>
@@ -25419,7 +25478,7 @@
           <p:cNvPr id="235" name="Straight Arrow Connector 234">
             <a:extLst>
               <a:ext uri="{FF2B5EF4-FFF2-40B4-BE49-F238E27FC236}">
-                <a16:creationId xmlns:lc="http://schemas.openxmlformats.org/drawingml/2006/lockedCanvas" xmlns:a16="http://schemas.microsoft.com/office/drawing/2014/main" xmlns="" id="{8EFAA25A-D8D6-420E-B8D9-6181A6D61CA3}"/>
+                <a16:creationId xmlns:a16="http://schemas.microsoft.com/office/drawing/2014/main" id="{8EFAA25A-D8D6-420E-B8D9-6181A6D61CA3}"/>
               </a:ext>
             </a:extLst>
           </p:cNvPr>
@@ -25464,7 +25523,7 @@
           <p:cNvPr id="242" name="Straight Arrow Connector 241">
             <a:extLst>
               <a:ext uri="{FF2B5EF4-FFF2-40B4-BE49-F238E27FC236}">
-                <a16:creationId xmlns:lc="http://schemas.openxmlformats.org/drawingml/2006/lockedCanvas" xmlns:a16="http://schemas.microsoft.com/office/drawing/2014/main" xmlns="" id="{8EFAA25A-D8D6-420E-B8D9-6181A6D61CA3}"/>
+                <a16:creationId xmlns:a16="http://schemas.microsoft.com/office/drawing/2014/main" id="{8EFAA25A-D8D6-420E-B8D9-6181A6D61CA3}"/>
               </a:ext>
             </a:extLst>
           </p:cNvPr>
@@ -25509,7 +25568,7 @@
           <p:cNvPr id="253" name="Straight Arrow Connector 252">
             <a:extLst>
               <a:ext uri="{FF2B5EF4-FFF2-40B4-BE49-F238E27FC236}">
-                <a16:creationId xmlns:lc="http://schemas.openxmlformats.org/drawingml/2006/lockedCanvas" xmlns:a16="http://schemas.microsoft.com/office/drawing/2014/main" xmlns="" id="{8EFAA25A-D8D6-420E-B8D9-6181A6D61CA3}"/>
+                <a16:creationId xmlns:a16="http://schemas.microsoft.com/office/drawing/2014/main" id="{8EFAA25A-D8D6-420E-B8D9-6181A6D61CA3}"/>
               </a:ext>
             </a:extLst>
           </p:cNvPr>
@@ -25554,7 +25613,7 @@
           <p:cNvPr id="269" name="Straight Arrow Connector 268">
             <a:extLst>
               <a:ext uri="{FF2B5EF4-FFF2-40B4-BE49-F238E27FC236}">
-                <a16:creationId xmlns:lc="http://schemas.openxmlformats.org/drawingml/2006/lockedCanvas" xmlns:a16="http://schemas.microsoft.com/office/drawing/2014/main" xmlns="" id="{8EFAA25A-D8D6-420E-B8D9-6181A6D61CA3}"/>
+                <a16:creationId xmlns:a16="http://schemas.microsoft.com/office/drawing/2014/main" id="{8EFAA25A-D8D6-420E-B8D9-6181A6D61CA3}"/>
               </a:ext>
             </a:extLst>
           </p:cNvPr>
@@ -25784,7 +25843,7 @@
           <p:cNvPr id="284" name="Straight Arrow Connector 283">
             <a:extLst>
               <a:ext uri="{FF2B5EF4-FFF2-40B4-BE49-F238E27FC236}">
-                <a16:creationId xmlns:lc="http://schemas.openxmlformats.org/drawingml/2006/lockedCanvas" xmlns:a16="http://schemas.microsoft.com/office/drawing/2014/main" xmlns="" id="{8EFAA25A-D8D6-420E-B8D9-6181A6D61CA3}"/>
+                <a16:creationId xmlns:a16="http://schemas.microsoft.com/office/drawing/2014/main" id="{8EFAA25A-D8D6-420E-B8D9-6181A6D61CA3}"/>
               </a:ext>
             </a:extLst>
           </p:cNvPr>
@@ -26085,7 +26144,7 @@
           <p:cNvPr id="297" name="Straight Arrow Connector 296">
             <a:extLst>
               <a:ext uri="{FF2B5EF4-FFF2-40B4-BE49-F238E27FC236}">
-                <a16:creationId xmlns:lc="http://schemas.openxmlformats.org/drawingml/2006/lockedCanvas" xmlns:a16="http://schemas.microsoft.com/office/drawing/2014/main" xmlns="" id="{8EFAA25A-D8D6-420E-B8D9-6181A6D61CA3}"/>
+                <a16:creationId xmlns:a16="http://schemas.microsoft.com/office/drawing/2014/main" id="{8EFAA25A-D8D6-420E-B8D9-6181A6D61CA3}"/>
               </a:ext>
             </a:extLst>
           </p:cNvPr>
@@ -28749,7 +28808,7 @@
           <p:cNvPr id="156" name="Straight Arrow Connector 155">
             <a:extLst>
               <a:ext uri="{FF2B5EF4-FFF2-40B4-BE49-F238E27FC236}">
-                <a16:creationId xmlns:lc="http://schemas.openxmlformats.org/drawingml/2006/lockedCanvas" xmlns:a16="http://schemas.microsoft.com/office/drawing/2014/main" xmlns="" id="{8EFAA25A-D8D6-420E-B8D9-6181A6D61CA3}"/>
+                <a16:creationId xmlns:a16="http://schemas.microsoft.com/office/drawing/2014/main" id="{8EFAA25A-D8D6-420E-B8D9-6181A6D61CA3}"/>
               </a:ext>
             </a:extLst>
           </p:cNvPr>
@@ -28794,7 +28853,7 @@
           <p:cNvPr id="158" name="Straight Arrow Connector 157">
             <a:extLst>
               <a:ext uri="{FF2B5EF4-FFF2-40B4-BE49-F238E27FC236}">
-                <a16:creationId xmlns:lc="http://schemas.openxmlformats.org/drawingml/2006/lockedCanvas" xmlns:a16="http://schemas.microsoft.com/office/drawing/2014/main" xmlns="" id="{8EFAA25A-D8D6-420E-B8D9-6181A6D61CA3}"/>
+                <a16:creationId xmlns:a16="http://schemas.microsoft.com/office/drawing/2014/main" id="{8EFAA25A-D8D6-420E-B8D9-6181A6D61CA3}"/>
               </a:ext>
             </a:extLst>
           </p:cNvPr>
@@ -28839,7 +28898,7 @@
           <p:cNvPr id="160" name="Straight Arrow Connector 159">
             <a:extLst>
               <a:ext uri="{FF2B5EF4-FFF2-40B4-BE49-F238E27FC236}">
-                <a16:creationId xmlns:lc="http://schemas.openxmlformats.org/drawingml/2006/lockedCanvas" xmlns:a16="http://schemas.microsoft.com/office/drawing/2014/main" xmlns="" id="{8EFAA25A-D8D6-420E-B8D9-6181A6D61CA3}"/>
+                <a16:creationId xmlns:a16="http://schemas.microsoft.com/office/drawing/2014/main" id="{8EFAA25A-D8D6-420E-B8D9-6181A6D61CA3}"/>
               </a:ext>
             </a:extLst>
           </p:cNvPr>
@@ -28884,7 +28943,7 @@
           <p:cNvPr id="166" name="Straight Arrow Connector 165">
             <a:extLst>
               <a:ext uri="{FF2B5EF4-FFF2-40B4-BE49-F238E27FC236}">
-                <a16:creationId xmlns:lc="http://schemas.openxmlformats.org/drawingml/2006/lockedCanvas" xmlns:a16="http://schemas.microsoft.com/office/drawing/2014/main" xmlns="" id="{8EFAA25A-D8D6-420E-B8D9-6181A6D61CA3}"/>
+                <a16:creationId xmlns:a16="http://schemas.microsoft.com/office/drawing/2014/main" id="{8EFAA25A-D8D6-420E-B8D9-6181A6D61CA3}"/>
               </a:ext>
             </a:extLst>
           </p:cNvPr>
@@ -28929,7 +28988,7 @@
           <p:cNvPr id="169" name="Straight Arrow Connector 168">
             <a:extLst>
               <a:ext uri="{FF2B5EF4-FFF2-40B4-BE49-F238E27FC236}">
-                <a16:creationId xmlns:lc="http://schemas.openxmlformats.org/drawingml/2006/lockedCanvas" xmlns:a16="http://schemas.microsoft.com/office/drawing/2014/main" xmlns="" id="{8EFAA25A-D8D6-420E-B8D9-6181A6D61CA3}"/>
+                <a16:creationId xmlns:a16="http://schemas.microsoft.com/office/drawing/2014/main" id="{8EFAA25A-D8D6-420E-B8D9-6181A6D61CA3}"/>
               </a:ext>
             </a:extLst>
           </p:cNvPr>
@@ -28974,7 +29033,7 @@
           <p:cNvPr id="176" name="Straight Arrow Connector 175">
             <a:extLst>
               <a:ext uri="{FF2B5EF4-FFF2-40B4-BE49-F238E27FC236}">
-                <a16:creationId xmlns:lc="http://schemas.openxmlformats.org/drawingml/2006/lockedCanvas" xmlns:a16="http://schemas.microsoft.com/office/drawing/2014/main" xmlns="" id="{8EFAA25A-D8D6-420E-B8D9-6181A6D61CA3}"/>
+                <a16:creationId xmlns:a16="http://schemas.microsoft.com/office/drawing/2014/main" id="{8EFAA25A-D8D6-420E-B8D9-6181A6D61CA3}"/>
               </a:ext>
             </a:extLst>
           </p:cNvPr>
@@ -29019,7 +29078,7 @@
           <p:cNvPr id="180" name="Straight Arrow Connector 179">
             <a:extLst>
               <a:ext uri="{FF2B5EF4-FFF2-40B4-BE49-F238E27FC236}">
-                <a16:creationId xmlns:lc="http://schemas.openxmlformats.org/drawingml/2006/lockedCanvas" xmlns:a16="http://schemas.microsoft.com/office/drawing/2014/main" xmlns="" id="{8EFAA25A-D8D6-420E-B8D9-6181A6D61CA3}"/>
+                <a16:creationId xmlns:a16="http://schemas.microsoft.com/office/drawing/2014/main" id="{8EFAA25A-D8D6-420E-B8D9-6181A6D61CA3}"/>
               </a:ext>
             </a:extLst>
           </p:cNvPr>
@@ -29064,7 +29123,7 @@
           <p:cNvPr id="184" name="Straight Arrow Connector 183">
             <a:extLst>
               <a:ext uri="{FF2B5EF4-FFF2-40B4-BE49-F238E27FC236}">
-                <a16:creationId xmlns:lc="http://schemas.openxmlformats.org/drawingml/2006/lockedCanvas" xmlns:a16="http://schemas.microsoft.com/office/drawing/2014/main" xmlns="" id="{8EFAA25A-D8D6-420E-B8D9-6181A6D61CA3}"/>
+                <a16:creationId xmlns:a16="http://schemas.microsoft.com/office/drawing/2014/main" id="{8EFAA25A-D8D6-420E-B8D9-6181A6D61CA3}"/>
               </a:ext>
             </a:extLst>
           </p:cNvPr>
@@ -29109,7 +29168,7 @@
           <p:cNvPr id="191" name="Straight Arrow Connector 190">
             <a:extLst>
               <a:ext uri="{FF2B5EF4-FFF2-40B4-BE49-F238E27FC236}">
-                <a16:creationId xmlns:lc="http://schemas.openxmlformats.org/drawingml/2006/lockedCanvas" xmlns:a16="http://schemas.microsoft.com/office/drawing/2014/main" xmlns="" id="{8EFAA25A-D8D6-420E-B8D9-6181A6D61CA3}"/>
+                <a16:creationId xmlns:a16="http://schemas.microsoft.com/office/drawing/2014/main" id="{8EFAA25A-D8D6-420E-B8D9-6181A6D61CA3}"/>
               </a:ext>
             </a:extLst>
           </p:cNvPr>
@@ -29154,7 +29213,7 @@
           <p:cNvPr id="196" name="Straight Arrow Connector 195">
             <a:extLst>
               <a:ext uri="{FF2B5EF4-FFF2-40B4-BE49-F238E27FC236}">
-                <a16:creationId xmlns:lc="http://schemas.openxmlformats.org/drawingml/2006/lockedCanvas" xmlns:a16="http://schemas.microsoft.com/office/drawing/2014/main" xmlns="" id="{8EFAA25A-D8D6-420E-B8D9-6181A6D61CA3}"/>
+                <a16:creationId xmlns:a16="http://schemas.microsoft.com/office/drawing/2014/main" id="{8EFAA25A-D8D6-420E-B8D9-6181A6D61CA3}"/>
               </a:ext>
             </a:extLst>
           </p:cNvPr>
@@ -29199,7 +29258,7 @@
           <p:cNvPr id="199" name="Straight Arrow Connector 198">
             <a:extLst>
               <a:ext uri="{FF2B5EF4-FFF2-40B4-BE49-F238E27FC236}">
-                <a16:creationId xmlns:lc="http://schemas.openxmlformats.org/drawingml/2006/lockedCanvas" xmlns:a16="http://schemas.microsoft.com/office/drawing/2014/main" xmlns="" id="{8EFAA25A-D8D6-420E-B8D9-6181A6D61CA3}"/>
+                <a16:creationId xmlns:a16="http://schemas.microsoft.com/office/drawing/2014/main" id="{8EFAA25A-D8D6-420E-B8D9-6181A6D61CA3}"/>
               </a:ext>
             </a:extLst>
           </p:cNvPr>
@@ -29244,7 +29303,7 @@
           <p:cNvPr id="204" name="Straight Arrow Connector 203">
             <a:extLst>
               <a:ext uri="{FF2B5EF4-FFF2-40B4-BE49-F238E27FC236}">
-                <a16:creationId xmlns:lc="http://schemas.openxmlformats.org/drawingml/2006/lockedCanvas" xmlns:a16="http://schemas.microsoft.com/office/drawing/2014/main" xmlns="" id="{8EFAA25A-D8D6-420E-B8D9-6181A6D61CA3}"/>
+                <a16:creationId xmlns:a16="http://schemas.microsoft.com/office/drawing/2014/main" id="{8EFAA25A-D8D6-420E-B8D9-6181A6D61CA3}"/>
               </a:ext>
             </a:extLst>
           </p:cNvPr>
@@ -29289,7 +29348,7 @@
           <p:cNvPr id="208" name="Straight Arrow Connector 207">
             <a:extLst>
               <a:ext uri="{FF2B5EF4-FFF2-40B4-BE49-F238E27FC236}">
-                <a16:creationId xmlns:lc="http://schemas.openxmlformats.org/drawingml/2006/lockedCanvas" xmlns:a16="http://schemas.microsoft.com/office/drawing/2014/main" xmlns="" id="{8EFAA25A-D8D6-420E-B8D9-6181A6D61CA3}"/>
+                <a16:creationId xmlns:a16="http://schemas.microsoft.com/office/drawing/2014/main" id="{8EFAA25A-D8D6-420E-B8D9-6181A6D61CA3}"/>
               </a:ext>
             </a:extLst>
           </p:cNvPr>
@@ -29334,7 +29393,7 @@
           <p:cNvPr id="211" name="Straight Arrow Connector 210">
             <a:extLst>
               <a:ext uri="{FF2B5EF4-FFF2-40B4-BE49-F238E27FC236}">
-                <a16:creationId xmlns:lc="http://schemas.openxmlformats.org/drawingml/2006/lockedCanvas" xmlns:a16="http://schemas.microsoft.com/office/drawing/2014/main" xmlns="" id="{8EFAA25A-D8D6-420E-B8D9-6181A6D61CA3}"/>
+                <a16:creationId xmlns:a16="http://schemas.microsoft.com/office/drawing/2014/main" id="{8EFAA25A-D8D6-420E-B8D9-6181A6D61CA3}"/>
               </a:ext>
             </a:extLst>
           </p:cNvPr>
@@ -29571,7 +29630,7 @@
           <p:cNvPr id="226" name="Straight Arrow Connector 225">
             <a:extLst>
               <a:ext uri="{FF2B5EF4-FFF2-40B4-BE49-F238E27FC236}">
-                <a16:creationId xmlns:lc="http://schemas.openxmlformats.org/drawingml/2006/lockedCanvas" xmlns:a16="http://schemas.microsoft.com/office/drawing/2014/main" xmlns="" id="{8EFAA25A-D8D6-420E-B8D9-6181A6D61CA3}"/>
+                <a16:creationId xmlns:a16="http://schemas.microsoft.com/office/drawing/2014/main" id="{8EFAA25A-D8D6-420E-B8D9-6181A6D61CA3}"/>
               </a:ext>
             </a:extLst>
           </p:cNvPr>
@@ -29616,7 +29675,7 @@
           <p:cNvPr id="229" name="Straight Arrow Connector 228">
             <a:extLst>
               <a:ext uri="{FF2B5EF4-FFF2-40B4-BE49-F238E27FC236}">
-                <a16:creationId xmlns:lc="http://schemas.openxmlformats.org/drawingml/2006/lockedCanvas" xmlns:a16="http://schemas.microsoft.com/office/drawing/2014/main" xmlns="" id="{8EFAA25A-D8D6-420E-B8D9-6181A6D61CA3}"/>
+                <a16:creationId xmlns:a16="http://schemas.microsoft.com/office/drawing/2014/main" id="{8EFAA25A-D8D6-420E-B8D9-6181A6D61CA3}"/>
               </a:ext>
             </a:extLst>
           </p:cNvPr>
@@ -29661,7 +29720,7 @@
           <p:cNvPr id="232" name="Straight Arrow Connector 231">
             <a:extLst>
               <a:ext uri="{FF2B5EF4-FFF2-40B4-BE49-F238E27FC236}">
-                <a16:creationId xmlns:lc="http://schemas.openxmlformats.org/drawingml/2006/lockedCanvas" xmlns:a16="http://schemas.microsoft.com/office/drawing/2014/main" xmlns="" id="{8EFAA25A-D8D6-420E-B8D9-6181A6D61CA3}"/>
+                <a16:creationId xmlns:a16="http://schemas.microsoft.com/office/drawing/2014/main" id="{8EFAA25A-D8D6-420E-B8D9-6181A6D61CA3}"/>
               </a:ext>
             </a:extLst>
           </p:cNvPr>
@@ -29706,7 +29765,7 @@
           <p:cNvPr id="235" name="Straight Arrow Connector 234">
             <a:extLst>
               <a:ext uri="{FF2B5EF4-FFF2-40B4-BE49-F238E27FC236}">
-                <a16:creationId xmlns:lc="http://schemas.openxmlformats.org/drawingml/2006/lockedCanvas" xmlns:a16="http://schemas.microsoft.com/office/drawing/2014/main" xmlns="" id="{8EFAA25A-D8D6-420E-B8D9-6181A6D61CA3}"/>
+                <a16:creationId xmlns:a16="http://schemas.microsoft.com/office/drawing/2014/main" id="{8EFAA25A-D8D6-420E-B8D9-6181A6D61CA3}"/>
               </a:ext>
             </a:extLst>
           </p:cNvPr>
@@ -29751,7 +29810,7 @@
           <p:cNvPr id="242" name="Straight Arrow Connector 241">
             <a:extLst>
               <a:ext uri="{FF2B5EF4-FFF2-40B4-BE49-F238E27FC236}">
-                <a16:creationId xmlns:lc="http://schemas.openxmlformats.org/drawingml/2006/lockedCanvas" xmlns:a16="http://schemas.microsoft.com/office/drawing/2014/main" xmlns="" id="{8EFAA25A-D8D6-420E-B8D9-6181A6D61CA3}"/>
+                <a16:creationId xmlns:a16="http://schemas.microsoft.com/office/drawing/2014/main" id="{8EFAA25A-D8D6-420E-B8D9-6181A6D61CA3}"/>
               </a:ext>
             </a:extLst>
           </p:cNvPr>
@@ -29796,7 +29855,7 @@
           <p:cNvPr id="253" name="Straight Arrow Connector 252">
             <a:extLst>
               <a:ext uri="{FF2B5EF4-FFF2-40B4-BE49-F238E27FC236}">
-                <a16:creationId xmlns:lc="http://schemas.openxmlformats.org/drawingml/2006/lockedCanvas" xmlns:a16="http://schemas.microsoft.com/office/drawing/2014/main" xmlns="" id="{8EFAA25A-D8D6-420E-B8D9-6181A6D61CA3}"/>
+                <a16:creationId xmlns:a16="http://schemas.microsoft.com/office/drawing/2014/main" id="{8EFAA25A-D8D6-420E-B8D9-6181A6D61CA3}"/>
               </a:ext>
             </a:extLst>
           </p:cNvPr>
@@ -29841,7 +29900,7 @@
           <p:cNvPr id="269" name="Straight Arrow Connector 268">
             <a:extLst>
               <a:ext uri="{FF2B5EF4-FFF2-40B4-BE49-F238E27FC236}">
-                <a16:creationId xmlns:lc="http://schemas.openxmlformats.org/drawingml/2006/lockedCanvas" xmlns:a16="http://schemas.microsoft.com/office/drawing/2014/main" xmlns="" id="{8EFAA25A-D8D6-420E-B8D9-6181A6D61CA3}"/>
+                <a16:creationId xmlns:a16="http://schemas.microsoft.com/office/drawing/2014/main" id="{8EFAA25A-D8D6-420E-B8D9-6181A6D61CA3}"/>
               </a:ext>
             </a:extLst>
           </p:cNvPr>
@@ -30071,7 +30130,7 @@
           <p:cNvPr id="284" name="Straight Arrow Connector 283">
             <a:extLst>
               <a:ext uri="{FF2B5EF4-FFF2-40B4-BE49-F238E27FC236}">
-                <a16:creationId xmlns:lc="http://schemas.openxmlformats.org/drawingml/2006/lockedCanvas" xmlns:a16="http://schemas.microsoft.com/office/drawing/2014/main" xmlns="" id="{8EFAA25A-D8D6-420E-B8D9-6181A6D61CA3}"/>
+                <a16:creationId xmlns:a16="http://schemas.microsoft.com/office/drawing/2014/main" id="{8EFAA25A-D8D6-420E-B8D9-6181A6D61CA3}"/>
               </a:ext>
             </a:extLst>
           </p:cNvPr>
@@ -30372,7 +30431,7 @@
           <p:cNvPr id="297" name="Straight Arrow Connector 296">
             <a:extLst>
               <a:ext uri="{FF2B5EF4-FFF2-40B4-BE49-F238E27FC236}">
-                <a16:creationId xmlns:lc="http://schemas.openxmlformats.org/drawingml/2006/lockedCanvas" xmlns:a16="http://schemas.microsoft.com/office/drawing/2014/main" xmlns="" id="{8EFAA25A-D8D6-420E-B8D9-6181A6D61CA3}"/>
+                <a16:creationId xmlns:a16="http://schemas.microsoft.com/office/drawing/2014/main" id="{8EFAA25A-D8D6-420E-B8D9-6181A6D61CA3}"/>
               </a:ext>
             </a:extLst>
           </p:cNvPr>
@@ -32876,7 +32935,7 @@
           <p:cNvPr id="5" name="Rectangle 4">
             <a:extLst>
               <a:ext uri="{FF2B5EF4-FFF2-40B4-BE49-F238E27FC236}">
-                <a16:creationId xmlns="" xmlns:a16="http://schemas.microsoft.com/office/drawing/2014/main" id="{C820B1CE-1074-44C3-81AF-B93E081EDCAB}"/>
+                <a16:creationId xmlns:a16="http://schemas.microsoft.com/office/drawing/2014/main" id="{C820B1CE-1074-44C3-81AF-B93E081EDCAB}"/>
               </a:ext>
             </a:extLst>
           </p:cNvPr>
@@ -32944,7 +33003,7 @@
           <p:cNvPr id="6" name="Rectangle 5">
             <a:extLst>
               <a:ext uri="{FF2B5EF4-FFF2-40B4-BE49-F238E27FC236}">
-                <a16:creationId xmlns="" xmlns:a16="http://schemas.microsoft.com/office/drawing/2014/main" id="{C820B1CE-1074-44C3-81AF-B93E081EDCAB}"/>
+                <a16:creationId xmlns:a16="http://schemas.microsoft.com/office/drawing/2014/main" id="{C820B1CE-1074-44C3-81AF-B93E081EDCAB}"/>
               </a:ext>
             </a:extLst>
           </p:cNvPr>
@@ -33012,7 +33071,7 @@
           <p:cNvPr id="7" name="Rectangle 6">
             <a:extLst>
               <a:ext uri="{FF2B5EF4-FFF2-40B4-BE49-F238E27FC236}">
-                <a16:creationId xmlns="" xmlns:a16="http://schemas.microsoft.com/office/drawing/2014/main" id="{C820B1CE-1074-44C3-81AF-B93E081EDCAB}"/>
+                <a16:creationId xmlns:a16="http://schemas.microsoft.com/office/drawing/2014/main" id="{C820B1CE-1074-44C3-81AF-B93E081EDCAB}"/>
               </a:ext>
             </a:extLst>
           </p:cNvPr>
@@ -33080,7 +33139,7 @@
           <p:cNvPr id="8" name="Rectangle 7">
             <a:extLst>
               <a:ext uri="{FF2B5EF4-FFF2-40B4-BE49-F238E27FC236}">
-                <a16:creationId xmlns="" xmlns:a16="http://schemas.microsoft.com/office/drawing/2014/main" id="{C820B1CE-1074-44C3-81AF-B93E081EDCAB}"/>
+                <a16:creationId xmlns:a16="http://schemas.microsoft.com/office/drawing/2014/main" id="{C820B1CE-1074-44C3-81AF-B93E081EDCAB}"/>
               </a:ext>
             </a:extLst>
           </p:cNvPr>
@@ -33439,7 +33498,7 @@
           <p:cNvPr id="12" name="Rectangle 11">
             <a:extLst>
               <a:ext uri="{FF2B5EF4-FFF2-40B4-BE49-F238E27FC236}">
-                <a16:creationId xmlns="" xmlns:a16="http://schemas.microsoft.com/office/drawing/2014/main" id="{C820B1CE-1074-44C3-81AF-B93E081EDCAB}"/>
+                <a16:creationId xmlns:a16="http://schemas.microsoft.com/office/drawing/2014/main" id="{C820B1CE-1074-44C3-81AF-B93E081EDCAB}"/>
               </a:ext>
             </a:extLst>
           </p:cNvPr>
@@ -33513,7 +33572,7 @@
           <p:cNvPr id="14" name="Straight Arrow Connector 13">
             <a:extLst>
               <a:ext uri="{FF2B5EF4-FFF2-40B4-BE49-F238E27FC236}">
-                <a16:creationId xmlns:lc="http://schemas.openxmlformats.org/drawingml/2006/lockedCanvas" xmlns:a16="http://schemas.microsoft.com/office/drawing/2014/main" xmlns="" id="{8EFAA25A-D8D6-420E-B8D9-6181A6D61CA3}"/>
+                <a16:creationId xmlns:a16="http://schemas.microsoft.com/office/drawing/2014/main" id="{8EFAA25A-D8D6-420E-B8D9-6181A6D61CA3}"/>
               </a:ext>
             </a:extLst>
           </p:cNvPr>
